--- a/Cours/IFDC_3.pptx
+++ b/Cours/IFDC_3.pptx
@@ -5,24 +5,23 @@
     <p:sldMasterId id="2147483648" r:id="rId1"/>
   </p:sldMasterIdLst>
   <p:notesMasterIdLst>
-    <p:notesMasterId r:id="rId17"/>
+    <p:notesMasterId r:id="rId16"/>
   </p:notesMasterIdLst>
   <p:sldIdLst>
     <p:sldId id="285" r:id="rId2"/>
     <p:sldId id="319" r:id="rId3"/>
-    <p:sldId id="291" r:id="rId4"/>
-    <p:sldId id="292" r:id="rId5"/>
-    <p:sldId id="367" r:id="rId6"/>
-    <p:sldId id="368" r:id="rId7"/>
-    <p:sldId id="369" r:id="rId8"/>
-    <p:sldId id="370" r:id="rId9"/>
-    <p:sldId id="371" r:id="rId10"/>
-    <p:sldId id="372" r:id="rId11"/>
-    <p:sldId id="373" r:id="rId12"/>
-    <p:sldId id="374" r:id="rId13"/>
-    <p:sldId id="375" r:id="rId14"/>
-    <p:sldId id="376" r:id="rId15"/>
-    <p:sldId id="377" r:id="rId16"/>
+    <p:sldId id="292" r:id="rId4"/>
+    <p:sldId id="367" r:id="rId5"/>
+    <p:sldId id="368" r:id="rId6"/>
+    <p:sldId id="369" r:id="rId7"/>
+    <p:sldId id="370" r:id="rId8"/>
+    <p:sldId id="371" r:id="rId9"/>
+    <p:sldId id="372" r:id="rId10"/>
+    <p:sldId id="373" r:id="rId11"/>
+    <p:sldId id="374" r:id="rId12"/>
+    <p:sldId id="375" r:id="rId13"/>
+    <p:sldId id="376" r:id="rId14"/>
+    <p:sldId id="377" r:id="rId15"/>
   </p:sldIdLst>
   <p:sldSz cx="12192000" cy="6858000"/>
   <p:notesSz cx="6858000" cy="9144000"/>
@@ -223,7 +222,7 @@
           <a:p>
             <a:fld id="{4D4C40A0-6BBE-4DBE-B061-D31F9ACB94AF}" type="datetimeFigureOut">
               <a:rPr lang="fr-FR" smtClean="0"/>
-              <a:t>28/06/2021</a:t>
+              <a:t>30/06/2021</a:t>
             </a:fld>
             <a:endParaRPr lang="fr-FR"/>
           </a:p>
@@ -746,7 +745,7 @@
           <a:p>
             <a:fld id="{BE1F1DDC-4961-4DFF-8961-DF0A67287833}" type="datetimeFigureOut">
               <a:rPr lang="fr-FR" smtClean="0"/>
-              <a:t>28/06/2021</a:t>
+              <a:t>30/06/2021</a:t>
             </a:fld>
             <a:endParaRPr lang="fr-FR"/>
           </a:p>
@@ -944,7 +943,7 @@
           <a:p>
             <a:fld id="{BE1F1DDC-4961-4DFF-8961-DF0A67287833}" type="datetimeFigureOut">
               <a:rPr lang="fr-FR" smtClean="0"/>
-              <a:t>28/06/2021</a:t>
+              <a:t>30/06/2021</a:t>
             </a:fld>
             <a:endParaRPr lang="fr-FR"/>
           </a:p>
@@ -1152,7 +1151,7 @@
           <a:p>
             <a:fld id="{BE1F1DDC-4961-4DFF-8961-DF0A67287833}" type="datetimeFigureOut">
               <a:rPr lang="fr-FR" smtClean="0"/>
-              <a:t>28/06/2021</a:t>
+              <a:t>30/06/2021</a:t>
             </a:fld>
             <a:endParaRPr lang="fr-FR"/>
           </a:p>
@@ -1350,7 +1349,7 @@
           <a:p>
             <a:fld id="{BE1F1DDC-4961-4DFF-8961-DF0A67287833}" type="datetimeFigureOut">
               <a:rPr lang="fr-FR" smtClean="0"/>
-              <a:t>28/06/2021</a:t>
+              <a:t>30/06/2021</a:t>
             </a:fld>
             <a:endParaRPr lang="fr-FR"/>
           </a:p>
@@ -1625,7 +1624,7 @@
           <a:p>
             <a:fld id="{BE1F1DDC-4961-4DFF-8961-DF0A67287833}" type="datetimeFigureOut">
               <a:rPr lang="fr-FR" smtClean="0"/>
-              <a:t>28/06/2021</a:t>
+              <a:t>30/06/2021</a:t>
             </a:fld>
             <a:endParaRPr lang="fr-FR"/>
           </a:p>
@@ -1890,7 +1889,7 @@
           <a:p>
             <a:fld id="{BE1F1DDC-4961-4DFF-8961-DF0A67287833}" type="datetimeFigureOut">
               <a:rPr lang="fr-FR" smtClean="0"/>
-              <a:t>28/06/2021</a:t>
+              <a:t>30/06/2021</a:t>
             </a:fld>
             <a:endParaRPr lang="fr-FR"/>
           </a:p>
@@ -2302,7 +2301,7 @@
           <a:p>
             <a:fld id="{BE1F1DDC-4961-4DFF-8961-DF0A67287833}" type="datetimeFigureOut">
               <a:rPr lang="fr-FR" smtClean="0"/>
-              <a:t>28/06/2021</a:t>
+              <a:t>30/06/2021</a:t>
             </a:fld>
             <a:endParaRPr lang="fr-FR"/>
           </a:p>
@@ -2443,7 +2442,7 @@
           <a:p>
             <a:fld id="{BE1F1DDC-4961-4DFF-8961-DF0A67287833}" type="datetimeFigureOut">
               <a:rPr lang="fr-FR" smtClean="0"/>
-              <a:t>28/06/2021</a:t>
+              <a:t>30/06/2021</a:t>
             </a:fld>
             <a:endParaRPr lang="fr-FR"/>
           </a:p>
@@ -2556,7 +2555,7 @@
           <a:p>
             <a:fld id="{BE1F1DDC-4961-4DFF-8961-DF0A67287833}" type="datetimeFigureOut">
               <a:rPr lang="fr-FR" smtClean="0"/>
-              <a:t>28/06/2021</a:t>
+              <a:t>30/06/2021</a:t>
             </a:fld>
             <a:endParaRPr lang="fr-FR"/>
           </a:p>
@@ -2867,7 +2866,7 @@
           <a:p>
             <a:fld id="{BE1F1DDC-4961-4DFF-8961-DF0A67287833}" type="datetimeFigureOut">
               <a:rPr lang="fr-FR" smtClean="0"/>
-              <a:t>28/06/2021</a:t>
+              <a:t>30/06/2021</a:t>
             </a:fld>
             <a:endParaRPr lang="fr-FR"/>
           </a:p>
@@ -3155,7 +3154,7 @@
           <a:p>
             <a:fld id="{BE1F1DDC-4961-4DFF-8961-DF0A67287833}" type="datetimeFigureOut">
               <a:rPr lang="fr-FR" smtClean="0"/>
-              <a:t>28/06/2021</a:t>
+              <a:t>30/06/2021</a:t>
             </a:fld>
             <a:endParaRPr lang="fr-FR"/>
           </a:p>
@@ -3424,7 +3423,7 @@
           <a:p>
             <a:fld id="{BE1F1DDC-4961-4DFF-8961-DF0A67287833}" type="datetimeFigureOut">
               <a:rPr lang="fr-FR" smtClean="0"/>
-              <a:t>28/06/2021</a:t>
+              <a:t>30/06/2021</a:t>
             </a:fld>
             <a:endParaRPr lang="fr-FR"/>
           </a:p>
@@ -3843,54 +3842,6 @@
       </p:grpSpPr>
       <p:sp>
         <p:nvSpPr>
-          <p:cNvPr id="33" name="ZoneTexte 32">
-            <a:extLst>
-              <a:ext uri="{FF2B5EF4-FFF2-40B4-BE49-F238E27FC236}">
-                <a16:creationId xmlns:a16="http://schemas.microsoft.com/office/drawing/2014/main" id="{BF3F6460-F4B3-41EB-8BE0-256DBA6A3284}"/>
-              </a:ext>
-            </a:extLst>
-          </p:cNvPr>
-          <p:cNvSpPr txBox="1"/>
-          <p:nvPr/>
-        </p:nvSpPr>
-        <p:spPr>
-          <a:xfrm>
-            <a:off x="298637" y="923835"/>
-            <a:ext cx="3799840" cy="646331"/>
-          </a:xfrm>
-          <a:prstGeom prst="rect">
-            <a:avLst/>
-          </a:prstGeom>
-          <a:noFill/>
-        </p:spPr>
-        <p:txBody>
-          <a:bodyPr wrap="square" rtlCol="0">
-            <a:spAutoFit/>
-          </a:bodyPr>
-          <a:lstStyle/>
-          <a:p>
-            <a:pPr algn="ctr"/>
-            <a:r>
-              <a:rPr lang="fr-FR" sz="1200" dirty="0"/>
-              <a:t>MINISTERE DE L’ECONOMIE DES FINANCES ET DU PLAN</a:t>
-            </a:r>
-          </a:p>
-          <a:p>
-            <a:pPr algn="ctr"/>
-            <a:r>
-              <a:rPr lang="fr-FR" sz="1200" dirty="0"/>
-              <a:t>Agence Nationale de la Statistique et de la Démographie</a:t>
-            </a:r>
-            <a:endParaRPr lang="fr-SN" sz="1200" dirty="0"/>
-          </a:p>
-          <a:p>
-            <a:pPr algn="ctr"/>
-            <a:endParaRPr lang="fr-SN" sz="1200" dirty="0"/>
-          </a:p>
-        </p:txBody>
-      </p:sp>
-      <p:sp>
-        <p:nvSpPr>
           <p:cNvPr id="34" name="ZoneTexte 33">
             <a:extLst>
               <a:ext uri="{FF2B5EF4-FFF2-40B4-BE49-F238E27FC236}">
@@ -3932,26 +3883,6 @@
           <a:lstStyle/>
           <a:p>
             <a:pPr algn="ctr"/>
-            <a:r>
-              <a:rPr lang="fr-FR" dirty="0">
-                <a:solidFill>
-                  <a:schemeClr val="bg1"/>
-                </a:solidFill>
-                <a:latin typeface="Arial" panose="020B0604020202020204" pitchFamily="34" charset="0"/>
-                <a:cs typeface="Arial" panose="020B0604020202020204" pitchFamily="34" charset="0"/>
-              </a:rPr>
-              <a:t>École Nationale de la Statistique et de l’Analyse Économique </a:t>
-            </a:r>
-            <a:r>
-              <a:rPr lang="fr-FR" sz="2800" dirty="0">
-                <a:solidFill>
-                  <a:schemeClr val="bg1"/>
-                </a:solidFill>
-                <a:latin typeface="Arial" panose="020B0604020202020204" pitchFamily="34" charset="0"/>
-                <a:cs typeface="Arial" panose="020B0604020202020204" pitchFamily="34" charset="0"/>
-              </a:rPr>
-              <a:t>(ENSAE)</a:t>
-            </a:r>
             <a:endParaRPr lang="fr-SN" sz="2800" dirty="0">
               <a:solidFill>
                 <a:schemeClr val="bg1"/>
@@ -4140,10 +4071,10 @@
       </p:sp>
       <p:pic>
         <p:nvPicPr>
-          <p:cNvPr id="44" name="Image 43">
-            <a:extLst>
-              <a:ext uri="{FF2B5EF4-FFF2-40B4-BE49-F238E27FC236}">
-                <a16:creationId xmlns:a16="http://schemas.microsoft.com/office/drawing/2014/main" id="{F7ECBB35-2830-48C4-9702-16511CE5E1FF}"/>
+          <p:cNvPr id="53" name="Picture 5">
+            <a:extLst>
+              <a:ext uri="{FF2B5EF4-FFF2-40B4-BE49-F238E27FC236}">
+                <a16:creationId xmlns:a16="http://schemas.microsoft.com/office/drawing/2014/main" id="{BFC88C85-5606-4CEA-9CF4-3DEC205393B8}"/>
               </a:ext>
             </a:extLst>
           </p:cNvPr>
@@ -4164,8 +4095,8 @@
         </p:blipFill>
         <p:spPr>
           <a:xfrm>
-            <a:off x="1358778" y="1431067"/>
-            <a:ext cx="1472491" cy="917189"/>
+            <a:off x="4993640" y="100652"/>
+            <a:ext cx="822132" cy="774091"/>
           </a:xfrm>
           <a:prstGeom prst="rect">
             <a:avLst/>
@@ -4174,114 +4105,6 @@
       </p:pic>
       <p:sp>
         <p:nvSpPr>
-          <p:cNvPr id="48" name="ZoneTexte 47">
-            <a:extLst>
-              <a:ext uri="{FF2B5EF4-FFF2-40B4-BE49-F238E27FC236}">
-                <a16:creationId xmlns:a16="http://schemas.microsoft.com/office/drawing/2014/main" id="{2F3BED0D-8D54-4F84-B481-A6A5EC76E55E}"/>
-              </a:ext>
-            </a:extLst>
-          </p:cNvPr>
-          <p:cNvSpPr txBox="1"/>
-          <p:nvPr/>
-        </p:nvSpPr>
-        <p:spPr>
-          <a:xfrm>
-            <a:off x="8171447" y="1001139"/>
-            <a:ext cx="4659259" cy="461665"/>
-          </a:xfrm>
-          <a:prstGeom prst="rect">
-            <a:avLst/>
-          </a:prstGeom>
-          <a:noFill/>
-        </p:spPr>
-        <p:txBody>
-          <a:bodyPr wrap="square" rtlCol="0">
-            <a:spAutoFit/>
-          </a:bodyPr>
-          <a:lstStyle/>
-          <a:p>
-            <a:pPr algn="ctr"/>
-            <a:r>
-              <a:rPr lang="fr-FR" sz="1200" dirty="0"/>
-              <a:t>Centre de Coopération Internationale en Recherche</a:t>
-            </a:r>
-          </a:p>
-          <a:p>
-            <a:pPr algn="ctr"/>
-            <a:r>
-              <a:rPr lang="fr-FR" sz="1200" dirty="0"/>
-              <a:t>Agronomique pour le Développement</a:t>
-            </a:r>
-            <a:endParaRPr lang="fr-SN" sz="1200" dirty="0"/>
-          </a:p>
-        </p:txBody>
-      </p:sp>
-      <p:pic>
-        <p:nvPicPr>
-          <p:cNvPr id="50" name="Image 49">
-            <a:extLst>
-              <a:ext uri="{FF2B5EF4-FFF2-40B4-BE49-F238E27FC236}">
-                <a16:creationId xmlns:a16="http://schemas.microsoft.com/office/drawing/2014/main" id="{B1E324DB-9FB7-411C-9022-0DFED3BA89D4}"/>
-              </a:ext>
-            </a:extLst>
-          </p:cNvPr>
-          <p:cNvPicPr>
-            <a:picLocks noChangeAspect="1"/>
-          </p:cNvPicPr>
-          <p:nvPr/>
-        </p:nvPicPr>
-        <p:blipFill>
-          <a:blip r:embed="rId4"/>
-          <a:stretch>
-            <a:fillRect/>
-          </a:stretch>
-        </p:blipFill>
-        <p:spPr>
-          <a:xfrm>
-            <a:off x="9848333" y="1456096"/>
-            <a:ext cx="1305488" cy="705656"/>
-          </a:xfrm>
-          <a:prstGeom prst="rect">
-            <a:avLst/>
-          </a:prstGeom>
-        </p:spPr>
-      </p:pic>
-      <p:pic>
-        <p:nvPicPr>
-          <p:cNvPr id="53" name="Picture 5">
-            <a:extLst>
-              <a:ext uri="{FF2B5EF4-FFF2-40B4-BE49-F238E27FC236}">
-                <a16:creationId xmlns:a16="http://schemas.microsoft.com/office/drawing/2014/main" id="{BFC88C85-5606-4CEA-9CF4-3DEC205393B8}"/>
-              </a:ext>
-            </a:extLst>
-          </p:cNvPr>
-          <p:cNvPicPr/>
-          <p:nvPr/>
-        </p:nvPicPr>
-        <p:blipFill>
-          <a:blip r:embed="rId5" cstate="print">
-            <a:extLst>
-              <a:ext uri="{28A0092B-C50C-407E-A947-70E740481C1C}">
-                <a14:useLocalDpi xmlns:a14="http://schemas.microsoft.com/office/drawing/2010/main" val="0"/>
-              </a:ext>
-            </a:extLst>
-          </a:blip>
-          <a:stretch>
-            <a:fillRect/>
-          </a:stretch>
-        </p:blipFill>
-        <p:spPr>
-          <a:xfrm>
-            <a:off x="6080177" y="99006"/>
-            <a:ext cx="822132" cy="774091"/>
-          </a:xfrm>
-          <a:prstGeom prst="rect">
-            <a:avLst/>
-          </a:prstGeom>
-        </p:spPr>
-      </p:pic>
-      <p:sp>
-        <p:nvSpPr>
           <p:cNvPr id="54" name="Rectangle 53">
             <a:extLst>
               <a:ext uri="{FF2B5EF4-FFF2-40B4-BE49-F238E27FC236}">
@@ -4294,7 +4117,7 @@
         </p:nvSpPr>
         <p:spPr>
           <a:xfrm>
-            <a:off x="4868645" y="873464"/>
+            <a:off x="3973481" y="995676"/>
             <a:ext cx="3224879" cy="493981"/>
           </a:xfrm>
           <a:prstGeom prst="rect">
@@ -4605,8 +4428,8 @@
         </p:nvSpPr>
         <p:spPr>
           <a:xfrm>
-            <a:off x="3249328" y="1514833"/>
-            <a:ext cx="3917226" cy="461665"/>
+            <a:off x="1476449" y="1514833"/>
+            <a:ext cx="7463005" cy="461665"/>
           </a:xfrm>
           <a:prstGeom prst="rect">
             <a:avLst/>
@@ -4634,7 +4457,7 @@
                   </a:outerShdw>
                 </a:effectLst>
               </a:rPr>
-              <a:t>Figer une colonne dans Excel?</a:t>
+              <a:t>Figer en même temps les lignes et les colonnes dans Excel?</a:t>
             </a:r>
             <a:endParaRPr lang="fr-FR" sz="2400" b="0" cap="none" spc="0" dirty="0">
               <a:ln w="0"/>
@@ -4660,8 +4483,8 @@
         </p:nvSpPr>
         <p:spPr>
           <a:xfrm>
-            <a:off x="250674" y="2857772"/>
-            <a:ext cx="9914638" cy="1200329"/>
+            <a:off x="-126403" y="2857772"/>
+            <a:ext cx="10668818" cy="1569660"/>
           </a:xfrm>
           <a:prstGeom prst="rect">
             <a:avLst/>
@@ -4689,7 +4512,23 @@
                   </a:outerShdw>
                 </a:effectLst>
               </a:rPr>
-              <a:t>Sélectionnez la colonne à sa droite puis onglet « Affichage » du </a:t>
+              <a:t>Sélectionnez la première cellule au dessous de la ligne </a:t>
+            </a:r>
+          </a:p>
+          <a:p>
+            <a:pPr algn="ctr"/>
+            <a:r>
+              <a:rPr lang="fr-FR" sz="2400" dirty="0" smtClean="0">
+                <a:ln w="0"/>
+                <a:effectLst>
+                  <a:outerShdw blurRad="38100" dist="19050" dir="2700000" algn="tl" rotWithShape="0">
+                    <a:schemeClr val="dk1">
+                      <a:alpha val="40000"/>
+                    </a:schemeClr>
+                  </a:outerShdw>
+                </a:effectLst>
+              </a:rPr>
+              <a:t>et à droite de la colonne qu’on veut figer puis onglet « Affichage » du </a:t>
             </a:r>
             <a:r>
               <a:rPr lang="fr-FR" sz="2400" dirty="0" err="1" smtClean="0">
@@ -4781,7 +4620,7 @@
     </p:spTree>
     <p:extLst>
       <p:ext uri="{BB962C8B-B14F-4D97-AF65-F5344CB8AC3E}">
-        <p14:creationId xmlns:p14="http://schemas.microsoft.com/office/powerpoint/2010/main" val="2533935102"/>
+        <p14:creationId xmlns:p14="http://schemas.microsoft.com/office/powerpoint/2010/main" val="1179885515"/>
       </p:ext>
     </p:extLst>
   </p:cSld>
@@ -4869,7 +4708,7 @@
                   <a:schemeClr val="bg1"/>
                 </a:solidFill>
               </a:rPr>
-              <a:t>Figer des lignes ou des colonnes</a:t>
+              <a:t>Rechercher et supprimer des doublons</a:t>
             </a:r>
             <a:endParaRPr lang="fr-FR" sz="4000" dirty="0">
               <a:solidFill>
@@ -5031,8 +4870,8 @@
         </p:nvSpPr>
         <p:spPr>
           <a:xfrm>
-            <a:off x="1476449" y="1514833"/>
-            <a:ext cx="7463005" cy="461665"/>
+            <a:off x="4407211" y="1514833"/>
+            <a:ext cx="1601465" cy="461665"/>
           </a:xfrm>
           <a:prstGeom prst="rect">
             <a:avLst/>
@@ -5060,7 +4899,7 @@
                   </a:outerShdw>
                 </a:effectLst>
               </a:rPr>
-              <a:t>Figer en même temps les lignes et les colonnes dans Excel?</a:t>
+              <a:t>Rechercher</a:t>
             </a:r>
             <a:endParaRPr lang="fr-FR" sz="2400" b="0" cap="none" spc="0" dirty="0">
               <a:ln w="0"/>
@@ -5086,8 +4925,8 @@
         </p:nvSpPr>
         <p:spPr>
           <a:xfrm>
-            <a:off x="-126403" y="2857772"/>
-            <a:ext cx="10668818" cy="1569660"/>
+            <a:off x="471581" y="2857772"/>
+            <a:ext cx="9472850" cy="830997"/>
           </a:xfrm>
           <a:prstGeom prst="rect">
             <a:avLst/>
@@ -5115,7 +4954,7 @@
                   </a:outerShdw>
                 </a:effectLst>
               </a:rPr>
-              <a:t>Sélectionnez la première cellule au dessous de la ligne </a:t>
+              <a:t>Sélectionnez les cellules dans lesquelles vous voulez vérifier la présence</a:t>
             </a:r>
           </a:p>
           <a:p>
@@ -5131,78 +4970,7 @@
                   </a:outerShdw>
                 </a:effectLst>
               </a:rPr>
-              <a:t>et à droite de la colonne qu’on veut figer puis onglet « Affichage » du </a:t>
-            </a:r>
-            <a:r>
-              <a:rPr lang="fr-FR" sz="2400" dirty="0" err="1" smtClean="0">
-                <a:ln w="0"/>
-                <a:effectLst>
-                  <a:outerShdw blurRad="38100" dist="19050" dir="2700000" algn="tl" rotWithShape="0">
-                    <a:schemeClr val="dk1">
-                      <a:alpha val="40000"/>
-                    </a:schemeClr>
-                  </a:outerShdw>
-                </a:effectLst>
-              </a:rPr>
-              <a:t>ruban,dans</a:t>
-            </a:r>
-            <a:r>
-              <a:rPr lang="fr-FR" sz="2400" dirty="0" smtClean="0">
-                <a:ln w="0"/>
-                <a:effectLst>
-                  <a:outerShdw blurRad="38100" dist="19050" dir="2700000" algn="tl" rotWithShape="0">
-                    <a:schemeClr val="dk1">
-                      <a:alpha val="40000"/>
-                    </a:schemeClr>
-                  </a:outerShdw>
-                </a:effectLst>
-              </a:rPr>
-              <a:t> </a:t>
-            </a:r>
-          </a:p>
-          <a:p>
-            <a:pPr algn="ctr"/>
-            <a:r>
-              <a:rPr lang="fr-FR" sz="2400" dirty="0" smtClean="0">
-                <a:ln w="0"/>
-                <a:effectLst>
-                  <a:outerShdw blurRad="38100" dist="19050" dir="2700000" algn="tl" rotWithShape="0">
-                    <a:schemeClr val="dk1">
-                      <a:alpha val="40000"/>
-                    </a:schemeClr>
-                  </a:outerShdw>
-                </a:effectLst>
-              </a:rPr>
-              <a:t>le groupe de commandes « Fenêtre », cliquez sur Figer les volets, </a:t>
-            </a:r>
-          </a:p>
-          <a:p>
-            <a:pPr algn="ctr"/>
-            <a:r>
-              <a:rPr lang="fr-FR" sz="2400" dirty="0" smtClean="0">
-                <a:ln w="0"/>
-                <a:effectLst>
-                  <a:outerShdw blurRad="38100" dist="19050" dir="2700000" algn="tl" rotWithShape="0">
-                    <a:schemeClr val="dk1">
-                      <a:alpha val="40000"/>
-                    </a:schemeClr>
-                  </a:outerShdw>
-                </a:effectLst>
-              </a:rPr>
-              <a:t>enfin cliquez sur Figer la première </a:t>
-            </a:r>
-            <a:r>
-              <a:rPr lang="fr-FR" sz="2400" dirty="0" err="1" smtClean="0">
-                <a:ln w="0"/>
-                <a:effectLst>
-                  <a:outerShdw blurRad="38100" dist="19050" dir="2700000" algn="tl" rotWithShape="0">
-                    <a:schemeClr val="dk1">
-                      <a:alpha val="40000"/>
-                    </a:schemeClr>
-                  </a:outerShdw>
-                </a:effectLst>
-              </a:rPr>
-              <a:t>colone</a:t>
+              <a:t> de doublons</a:t>
             </a:r>
             <a:endParaRPr lang="fr-FR" sz="2400" b="0" cap="none" spc="0" dirty="0">
               <a:ln w="0"/>
@@ -5220,10 +4988,110 @@
           </a:p>
         </p:txBody>
       </p:sp>
+      <p:sp>
+        <p:nvSpPr>
+          <p:cNvPr id="9" name="Rectangle 8"/>
+          <p:cNvSpPr/>
+          <p:nvPr/>
+        </p:nvSpPr>
+        <p:spPr>
+          <a:xfrm>
+            <a:off x="680079" y="3842547"/>
+            <a:ext cx="9055877" cy="830997"/>
+          </a:xfrm>
+          <a:prstGeom prst="rect">
+            <a:avLst/>
+          </a:prstGeom>
+          <a:noFill/>
+        </p:spPr>
+        <p:txBody>
+          <a:bodyPr wrap="none" lIns="91440" tIns="45720" rIns="91440" bIns="45720">
+            <a:spAutoFit/>
+          </a:bodyPr>
+          <a:lstStyle/>
+          <a:p>
+            <a:pPr marL="342900" indent="-342900" algn="ctr">
+              <a:buFont typeface="Wingdings" panose="05000000000000000000" pitchFamily="2" charset="2"/>
+              <a:buChar char="Ø"/>
+            </a:pPr>
+            <a:r>
+              <a:rPr lang="fr-FR" sz="2400" dirty="0" smtClean="0">
+                <a:ln w="0"/>
+                <a:effectLst>
+                  <a:outerShdw blurRad="38100" dist="19050" dir="2700000" algn="tl" rotWithShape="0">
+                    <a:schemeClr val="dk1">
+                      <a:alpha val="40000"/>
+                    </a:schemeClr>
+                  </a:outerShdw>
+                </a:effectLst>
+              </a:rPr>
+              <a:t>Cliquez sur Accueil, Mise en forme </a:t>
+            </a:r>
+            <a:r>
+              <a:rPr lang="fr-FR" sz="2400" dirty="0" err="1" smtClean="0">
+                <a:ln w="0"/>
+                <a:effectLst>
+                  <a:outerShdw blurRad="38100" dist="19050" dir="2700000" algn="tl" rotWithShape="0">
+                    <a:schemeClr val="dk1">
+                      <a:alpha val="40000"/>
+                    </a:schemeClr>
+                  </a:outerShdw>
+                </a:effectLst>
+              </a:rPr>
+              <a:t>conditionnelle,Règles</a:t>
+            </a:r>
+            <a:r>
+              <a:rPr lang="fr-FR" sz="2400" dirty="0" smtClean="0">
+                <a:ln w="0"/>
+                <a:effectLst>
+                  <a:outerShdw blurRad="38100" dist="19050" dir="2700000" algn="tl" rotWithShape="0">
+                    <a:schemeClr val="dk1">
+                      <a:alpha val="40000"/>
+                    </a:schemeClr>
+                  </a:outerShdw>
+                </a:effectLst>
+              </a:rPr>
+              <a:t> de mise en </a:t>
+            </a:r>
+          </a:p>
+          <a:p>
+            <a:pPr algn="ctr"/>
+            <a:r>
+              <a:rPr lang="fr-FR" sz="2400" b="0" cap="none" spc="0" dirty="0" smtClean="0">
+                <a:ln w="0"/>
+                <a:solidFill>
+                  <a:schemeClr val="tx1"/>
+                </a:solidFill>
+                <a:effectLst>
+                  <a:outerShdw blurRad="38100" dist="19050" dir="2700000" algn="tl" rotWithShape="0">
+                    <a:schemeClr val="dk1">
+                      <a:alpha val="40000"/>
+                    </a:schemeClr>
+                  </a:outerShdw>
+                </a:effectLst>
+              </a:rPr>
+              <a:t>Surbrillance des cellules et enfin Valeurs en double.</a:t>
+            </a:r>
+            <a:endParaRPr lang="fr-FR" sz="2400" b="0" cap="none" spc="0" dirty="0">
+              <a:ln w="0"/>
+              <a:solidFill>
+                <a:schemeClr val="tx1"/>
+              </a:solidFill>
+              <a:effectLst>
+                <a:outerShdw blurRad="38100" dist="19050" dir="2700000" algn="tl" rotWithShape="0">
+                  <a:schemeClr val="dk1">
+                    <a:alpha val="40000"/>
+                  </a:schemeClr>
+                </a:outerShdw>
+              </a:effectLst>
+            </a:endParaRPr>
+          </a:p>
+        </p:txBody>
+      </p:sp>
     </p:spTree>
     <p:extLst>
       <p:ext uri="{BB962C8B-B14F-4D97-AF65-F5344CB8AC3E}">
-        <p14:creationId xmlns:p14="http://schemas.microsoft.com/office/powerpoint/2010/main" val="1179885515"/>
+        <p14:creationId xmlns:p14="http://schemas.microsoft.com/office/powerpoint/2010/main" val="530991618"/>
       </p:ext>
     </p:extLst>
   </p:cSld>
@@ -5465,236 +5333,58 @@
           </a:p>
         </p:txBody>
       </p:sp>
-      <p:sp>
-        <p:nvSpPr>
-          <p:cNvPr id="7" name="Rectangle 6"/>
-          <p:cNvSpPr/>
+      <p:pic>
+        <p:nvPicPr>
+          <p:cNvPr id="2" name="Image 1"/>
+          <p:cNvPicPr>
+            <a:picLocks noChangeAspect="1"/>
+          </p:cNvPicPr>
           <p:nvPr/>
-        </p:nvSpPr>
-        <p:spPr>
-          <a:xfrm>
-            <a:off x="4407211" y="1514833"/>
-            <a:ext cx="1601465" cy="461665"/>
+        </p:nvPicPr>
+        <p:blipFill>
+          <a:blip r:embed="rId2"/>
+          <a:stretch>
+            <a:fillRect/>
+          </a:stretch>
+        </p:blipFill>
+        <p:spPr>
+          <a:xfrm>
+            <a:off x="0" y="1937657"/>
+            <a:ext cx="4833257" cy="4240665"/>
           </a:xfrm>
           <a:prstGeom prst="rect">
             <a:avLst/>
           </a:prstGeom>
-          <a:noFill/>
-        </p:spPr>
-        <p:txBody>
-          <a:bodyPr wrap="none" lIns="91440" tIns="45720" rIns="91440" bIns="45720">
-            <a:spAutoFit/>
-          </a:bodyPr>
-          <a:lstStyle/>
-          <a:p>
-            <a:pPr algn="ctr"/>
-            <a:r>
-              <a:rPr lang="fr-FR" sz="2400" b="0" cap="none" spc="0" dirty="0" smtClean="0">
-                <a:ln w="0"/>
-                <a:solidFill>
-                  <a:schemeClr val="tx1"/>
-                </a:solidFill>
-                <a:effectLst>
-                  <a:outerShdw blurRad="38100" dist="19050" dir="2700000" algn="tl" rotWithShape="0">
-                    <a:schemeClr val="dk1">
-                      <a:alpha val="40000"/>
-                    </a:schemeClr>
-                  </a:outerShdw>
-                </a:effectLst>
-              </a:rPr>
-              <a:t>Rechercher</a:t>
-            </a:r>
-            <a:endParaRPr lang="fr-FR" sz="2400" b="0" cap="none" spc="0" dirty="0">
-              <a:ln w="0"/>
-              <a:solidFill>
-                <a:schemeClr val="tx1"/>
-              </a:solidFill>
-              <a:effectLst>
-                <a:outerShdw blurRad="38100" dist="19050" dir="2700000" algn="tl" rotWithShape="0">
-                  <a:schemeClr val="dk1">
-                    <a:alpha val="40000"/>
-                  </a:schemeClr>
-                </a:outerShdw>
-              </a:effectLst>
-            </a:endParaRPr>
-          </a:p>
-        </p:txBody>
-      </p:sp>
-      <p:sp>
-        <p:nvSpPr>
-          <p:cNvPr id="8" name="Rectangle 7"/>
-          <p:cNvSpPr/>
+        </p:spPr>
+      </p:pic>
+      <p:pic>
+        <p:nvPicPr>
+          <p:cNvPr id="5" name="Image 4"/>
+          <p:cNvPicPr>
+            <a:picLocks noChangeAspect="1"/>
+          </p:cNvPicPr>
           <p:nvPr/>
-        </p:nvSpPr>
-        <p:spPr>
-          <a:xfrm>
-            <a:off x="471581" y="2857772"/>
-            <a:ext cx="9472850" cy="830997"/>
+        </p:nvPicPr>
+        <p:blipFill>
+          <a:blip r:embed="rId3"/>
+          <a:stretch>
+            <a:fillRect/>
+          </a:stretch>
+        </p:blipFill>
+        <p:spPr>
+          <a:xfrm>
+            <a:off x="5791199" y="3151426"/>
+            <a:ext cx="4767943" cy="1877773"/>
           </a:xfrm>
           <a:prstGeom prst="rect">
             <a:avLst/>
           </a:prstGeom>
-          <a:noFill/>
-        </p:spPr>
-        <p:txBody>
-          <a:bodyPr wrap="none" lIns="91440" tIns="45720" rIns="91440" bIns="45720">
-            <a:spAutoFit/>
-          </a:bodyPr>
-          <a:lstStyle/>
-          <a:p>
-            <a:pPr marL="342900" indent="-342900" algn="ctr">
-              <a:buFont typeface="Wingdings" panose="05000000000000000000" pitchFamily="2" charset="2"/>
-              <a:buChar char="Ø"/>
-            </a:pPr>
-            <a:r>
-              <a:rPr lang="fr-FR" sz="2400" dirty="0" smtClean="0">
-                <a:ln w="0"/>
-                <a:effectLst>
-                  <a:outerShdw blurRad="38100" dist="19050" dir="2700000" algn="tl" rotWithShape="0">
-                    <a:schemeClr val="dk1">
-                      <a:alpha val="40000"/>
-                    </a:schemeClr>
-                  </a:outerShdw>
-                </a:effectLst>
-              </a:rPr>
-              <a:t>Sélectionnez les cellules dans lesquelles vous voulez vérifier la présence</a:t>
-            </a:r>
-          </a:p>
-          <a:p>
-            <a:pPr algn="ctr"/>
-            <a:r>
-              <a:rPr lang="fr-FR" sz="2400" dirty="0" smtClean="0">
-                <a:ln w="0"/>
-                <a:effectLst>
-                  <a:outerShdw blurRad="38100" dist="19050" dir="2700000" algn="tl" rotWithShape="0">
-                    <a:schemeClr val="dk1">
-                      <a:alpha val="40000"/>
-                    </a:schemeClr>
-                  </a:outerShdw>
-                </a:effectLst>
-              </a:rPr>
-              <a:t> de doublons</a:t>
-            </a:r>
-            <a:endParaRPr lang="fr-FR" sz="2400" b="0" cap="none" spc="0" dirty="0">
-              <a:ln w="0"/>
-              <a:solidFill>
-                <a:schemeClr val="tx1"/>
-              </a:solidFill>
-              <a:effectLst>
-                <a:outerShdw blurRad="38100" dist="19050" dir="2700000" algn="tl" rotWithShape="0">
-                  <a:schemeClr val="dk1">
-                    <a:alpha val="40000"/>
-                  </a:schemeClr>
-                </a:outerShdw>
-              </a:effectLst>
-            </a:endParaRPr>
-          </a:p>
-        </p:txBody>
-      </p:sp>
-      <p:sp>
-        <p:nvSpPr>
-          <p:cNvPr id="9" name="Rectangle 8"/>
-          <p:cNvSpPr/>
-          <p:nvPr/>
-        </p:nvSpPr>
-        <p:spPr>
-          <a:xfrm>
-            <a:off x="680079" y="3842547"/>
-            <a:ext cx="9055877" cy="830997"/>
-          </a:xfrm>
-          <a:prstGeom prst="rect">
-            <a:avLst/>
-          </a:prstGeom>
-          <a:noFill/>
-        </p:spPr>
-        <p:txBody>
-          <a:bodyPr wrap="none" lIns="91440" tIns="45720" rIns="91440" bIns="45720">
-            <a:spAutoFit/>
-          </a:bodyPr>
-          <a:lstStyle/>
-          <a:p>
-            <a:pPr marL="342900" indent="-342900" algn="ctr">
-              <a:buFont typeface="Wingdings" panose="05000000000000000000" pitchFamily="2" charset="2"/>
-              <a:buChar char="Ø"/>
-            </a:pPr>
-            <a:r>
-              <a:rPr lang="fr-FR" sz="2400" dirty="0" smtClean="0">
-                <a:ln w="0"/>
-                <a:effectLst>
-                  <a:outerShdw blurRad="38100" dist="19050" dir="2700000" algn="tl" rotWithShape="0">
-                    <a:schemeClr val="dk1">
-                      <a:alpha val="40000"/>
-                    </a:schemeClr>
-                  </a:outerShdw>
-                </a:effectLst>
-              </a:rPr>
-              <a:t>Cliquez sur Accueil, Mise en forme </a:t>
-            </a:r>
-            <a:r>
-              <a:rPr lang="fr-FR" sz="2400" dirty="0" err="1" smtClean="0">
-                <a:ln w="0"/>
-                <a:effectLst>
-                  <a:outerShdw blurRad="38100" dist="19050" dir="2700000" algn="tl" rotWithShape="0">
-                    <a:schemeClr val="dk1">
-                      <a:alpha val="40000"/>
-                    </a:schemeClr>
-                  </a:outerShdw>
-                </a:effectLst>
-              </a:rPr>
-              <a:t>conditionnelle,Règles</a:t>
-            </a:r>
-            <a:r>
-              <a:rPr lang="fr-FR" sz="2400" dirty="0" smtClean="0">
-                <a:ln w="0"/>
-                <a:effectLst>
-                  <a:outerShdw blurRad="38100" dist="19050" dir="2700000" algn="tl" rotWithShape="0">
-                    <a:schemeClr val="dk1">
-                      <a:alpha val="40000"/>
-                    </a:schemeClr>
-                  </a:outerShdw>
-                </a:effectLst>
-              </a:rPr>
-              <a:t> de mise en </a:t>
-            </a:r>
-          </a:p>
-          <a:p>
-            <a:pPr algn="ctr"/>
-            <a:r>
-              <a:rPr lang="fr-FR" sz="2400" b="0" cap="none" spc="0" dirty="0" smtClean="0">
-                <a:ln w="0"/>
-                <a:solidFill>
-                  <a:schemeClr val="tx1"/>
-                </a:solidFill>
-                <a:effectLst>
-                  <a:outerShdw blurRad="38100" dist="19050" dir="2700000" algn="tl" rotWithShape="0">
-                    <a:schemeClr val="dk1">
-                      <a:alpha val="40000"/>
-                    </a:schemeClr>
-                  </a:outerShdw>
-                </a:effectLst>
-              </a:rPr>
-              <a:t>Surbrillance des cellules et enfin Valeurs en double.</a:t>
-            </a:r>
-            <a:endParaRPr lang="fr-FR" sz="2400" b="0" cap="none" spc="0" dirty="0">
-              <a:ln w="0"/>
-              <a:solidFill>
-                <a:schemeClr val="tx1"/>
-              </a:solidFill>
-              <a:effectLst>
-                <a:outerShdw blurRad="38100" dist="19050" dir="2700000" algn="tl" rotWithShape="0">
-                  <a:schemeClr val="dk1">
-                    <a:alpha val="40000"/>
-                  </a:schemeClr>
-                </a:outerShdw>
-              </a:effectLst>
-            </a:endParaRPr>
-          </a:p>
-        </p:txBody>
-      </p:sp>
+        </p:spPr>
+      </p:pic>
     </p:spTree>
     <p:extLst>
       <p:ext uri="{BB962C8B-B14F-4D97-AF65-F5344CB8AC3E}">
-        <p14:creationId xmlns:p14="http://schemas.microsoft.com/office/powerpoint/2010/main" val="530991618"/>
+        <p14:creationId xmlns:p14="http://schemas.microsoft.com/office/powerpoint/2010/main" val="108608141"/>
       </p:ext>
     </p:extLst>
   </p:cSld>
@@ -5987,7 +5677,7 @@
     </p:spTree>
     <p:extLst>
       <p:ext uri="{BB962C8B-B14F-4D97-AF65-F5344CB8AC3E}">
-        <p14:creationId xmlns:p14="http://schemas.microsoft.com/office/powerpoint/2010/main" val="108608141"/>
+        <p14:creationId xmlns:p14="http://schemas.microsoft.com/office/powerpoint/2010/main" val="24024788"/>
       </p:ext>
     </p:extLst>
   </p:cSld>
@@ -6218,299 +5908,6 @@
                 <a:cs typeface="Times New Roman" panose="02020603050405020304" pitchFamily="18" charset="0"/>
               </a:rPr>
               <a:t>14</a:t>
-            </a:fld>
-            <a:endParaRPr lang="fr-FR" sz="2000" b="1" dirty="0">
-              <a:solidFill>
-                <a:srgbClr val="FF0000"/>
-              </a:solidFill>
-              <a:latin typeface="Times New Roman" panose="02020603050405020304" pitchFamily="18" charset="0"/>
-              <a:cs typeface="Times New Roman" panose="02020603050405020304" pitchFamily="18" charset="0"/>
-            </a:endParaRPr>
-          </a:p>
-        </p:txBody>
-      </p:sp>
-      <p:pic>
-        <p:nvPicPr>
-          <p:cNvPr id="2" name="Image 1"/>
-          <p:cNvPicPr>
-            <a:picLocks noChangeAspect="1"/>
-          </p:cNvPicPr>
-          <p:nvPr/>
-        </p:nvPicPr>
-        <p:blipFill>
-          <a:blip r:embed="rId2"/>
-          <a:stretch>
-            <a:fillRect/>
-          </a:stretch>
-        </p:blipFill>
-        <p:spPr>
-          <a:xfrm>
-            <a:off x="0" y="1937657"/>
-            <a:ext cx="4833257" cy="4240665"/>
-          </a:xfrm>
-          <a:prstGeom prst="rect">
-            <a:avLst/>
-          </a:prstGeom>
-        </p:spPr>
-      </p:pic>
-      <p:pic>
-        <p:nvPicPr>
-          <p:cNvPr id="5" name="Image 4"/>
-          <p:cNvPicPr>
-            <a:picLocks noChangeAspect="1"/>
-          </p:cNvPicPr>
-          <p:nvPr/>
-        </p:nvPicPr>
-        <p:blipFill>
-          <a:blip r:embed="rId3"/>
-          <a:stretch>
-            <a:fillRect/>
-          </a:stretch>
-        </p:blipFill>
-        <p:spPr>
-          <a:xfrm>
-            <a:off x="5791199" y="3151426"/>
-            <a:ext cx="4767943" cy="1877773"/>
-          </a:xfrm>
-          <a:prstGeom prst="rect">
-            <a:avLst/>
-          </a:prstGeom>
-        </p:spPr>
-      </p:pic>
-    </p:spTree>
-    <p:extLst>
-      <p:ext uri="{BB962C8B-B14F-4D97-AF65-F5344CB8AC3E}">
-        <p14:creationId xmlns:p14="http://schemas.microsoft.com/office/powerpoint/2010/main" val="24024788"/>
-      </p:ext>
-    </p:extLst>
-  </p:cSld>
-  <p:clrMapOvr>
-    <a:masterClrMapping/>
-  </p:clrMapOvr>
-  <p:timing>
-    <p:tnLst>
-      <p:par>
-        <p:cTn id="1" dur="indefinite" restart="never" nodeType="tmRoot"/>
-      </p:par>
-    </p:tnLst>
-  </p:timing>
-</p:sld>
-</file>
-
-<file path=ppt/slides/slide15.xml><?xml version="1.0" encoding="utf-8"?>
-<p:sld xmlns:a="http://schemas.openxmlformats.org/drawingml/2006/main" xmlns:r="http://schemas.openxmlformats.org/officeDocument/2006/relationships" xmlns:p="http://schemas.openxmlformats.org/presentationml/2006/main">
-  <p:cSld>
-    <p:spTree>
-      <p:nvGrpSpPr>
-        <p:cNvPr id="1" name=""/>
-        <p:cNvGrpSpPr/>
-        <p:nvPr/>
-      </p:nvGrpSpPr>
-      <p:grpSpPr>
-        <a:xfrm>
-          <a:off x="0" y="0"/>
-          <a:ext cx="0" cy="0"/>
-          <a:chOff x="0" y="0"/>
-          <a:chExt cx="0" cy="0"/>
-        </a:xfrm>
-      </p:grpSpPr>
-      <p:sp>
-        <p:nvSpPr>
-          <p:cNvPr id="4" name="ZoneTexte 3">
-            <a:extLst>
-              <a:ext uri="{FF2B5EF4-FFF2-40B4-BE49-F238E27FC236}">
-                <a16:creationId xmlns:a16="http://schemas.microsoft.com/office/drawing/2014/main" id="{B7191FEF-1E3F-48E9-A65A-B5A88B9994F6}"/>
-              </a:ext>
-            </a:extLst>
-          </p:cNvPr>
-          <p:cNvSpPr txBox="1"/>
-          <p:nvPr/>
-        </p:nvSpPr>
-        <p:spPr>
-          <a:xfrm>
-            <a:off x="1919416" y="295004"/>
-            <a:ext cx="8353167" cy="707886"/>
-          </a:xfrm>
-          <a:prstGeom prst="rect">
-            <a:avLst/>
-          </a:prstGeom>
-          <a:solidFill>
-            <a:schemeClr val="accent6">
-              <a:lumMod val="50000"/>
-            </a:schemeClr>
-          </a:solidFill>
-          <a:ln>
-            <a:solidFill>
-              <a:schemeClr val="accent6">
-                <a:lumMod val="50000"/>
-              </a:schemeClr>
-            </a:solidFill>
-          </a:ln>
-          <a:effectLst>
-            <a:outerShdw blurRad="50800" dist="38100" dir="13500000" algn="br" rotWithShape="0">
-              <a:schemeClr val="accent1">
-                <a:alpha val="40000"/>
-              </a:schemeClr>
-            </a:outerShdw>
-            <a:reflection blurRad="6350" stA="50000" endA="300" endPos="55000" dir="5400000" sy="-100000" algn="bl" rotWithShape="0"/>
-          </a:effectLst>
-        </p:spPr>
-        <p:txBody>
-          <a:bodyPr wrap="square" rtlCol="0">
-            <a:spAutoFit/>
-          </a:bodyPr>
-          <a:lstStyle/>
-          <a:p>
-            <a:pPr algn="ctr"/>
-            <a:r>
-              <a:rPr lang="fr-FR" sz="4000" dirty="0" smtClean="0">
-                <a:solidFill>
-                  <a:schemeClr val="bg1"/>
-                </a:solidFill>
-              </a:rPr>
-              <a:t>Rechercher et supprimer des doublons</a:t>
-            </a:r>
-            <a:endParaRPr lang="fr-FR" sz="4000" dirty="0">
-              <a:solidFill>
-                <a:schemeClr val="bg1"/>
-              </a:solidFill>
-            </a:endParaRPr>
-          </a:p>
-        </p:txBody>
-      </p:sp>
-      <p:cxnSp>
-        <p:nvCxnSpPr>
-          <p:cNvPr id="3" name="Connecteur droit 2">
-            <a:extLst>
-              <a:ext uri="{FF2B5EF4-FFF2-40B4-BE49-F238E27FC236}">
-                <a16:creationId xmlns:a16="http://schemas.microsoft.com/office/drawing/2014/main" id="{2E5FFC58-89E0-45F1-AB54-88B4500CE745}"/>
-              </a:ext>
-            </a:extLst>
-          </p:cNvPr>
-          <p:cNvCxnSpPr/>
-          <p:nvPr/>
-        </p:nvCxnSpPr>
-        <p:spPr>
-          <a:xfrm>
-            <a:off x="1327355" y="1002890"/>
-            <a:ext cx="9674942" cy="0"/>
-          </a:xfrm>
-          <a:prstGeom prst="line">
-            <a:avLst/>
-          </a:prstGeom>
-          <a:ln w="38100">
-            <a:solidFill>
-              <a:schemeClr val="accent6">
-                <a:lumMod val="50000"/>
-              </a:schemeClr>
-            </a:solidFill>
-          </a:ln>
-        </p:spPr>
-        <p:style>
-          <a:lnRef idx="1">
-            <a:schemeClr val="accent1"/>
-          </a:lnRef>
-          <a:fillRef idx="0">
-            <a:schemeClr val="accent1"/>
-          </a:fillRef>
-          <a:effectRef idx="0">
-            <a:schemeClr val="accent1"/>
-          </a:effectRef>
-          <a:fontRef idx="minor">
-            <a:schemeClr val="tx1"/>
-          </a:fontRef>
-        </p:style>
-      </p:cxnSp>
-      <p:sp>
-        <p:nvSpPr>
-          <p:cNvPr id="14" name="Rectangle 13">
-            <a:extLst>
-              <a:ext uri="{FF2B5EF4-FFF2-40B4-BE49-F238E27FC236}">
-                <a16:creationId xmlns:a16="http://schemas.microsoft.com/office/drawing/2014/main" id="{A111C86D-0A6E-4457-9131-84B9AB8CA6E2}"/>
-              </a:ext>
-            </a:extLst>
-          </p:cNvPr>
-          <p:cNvSpPr/>
-          <p:nvPr/>
-        </p:nvSpPr>
-        <p:spPr>
-          <a:xfrm>
-            <a:off x="0" y="6385815"/>
-            <a:ext cx="12192000" cy="472186"/>
-          </a:xfrm>
-          <a:prstGeom prst="rect">
-            <a:avLst/>
-          </a:prstGeom>
-          <a:solidFill>
-            <a:schemeClr val="accent1">
-              <a:lumMod val="20000"/>
-              <a:lumOff val="80000"/>
-            </a:schemeClr>
-          </a:solidFill>
-          <a:ln>
-            <a:noFill/>
-          </a:ln>
-        </p:spPr>
-        <p:style>
-          <a:lnRef idx="2">
-            <a:schemeClr val="accent1">
-              <a:shade val="50000"/>
-            </a:schemeClr>
-          </a:lnRef>
-          <a:fillRef idx="1">
-            <a:schemeClr val="accent1"/>
-          </a:fillRef>
-          <a:effectRef idx="0">
-            <a:schemeClr val="accent1"/>
-          </a:effectRef>
-          <a:fontRef idx="minor">
-            <a:schemeClr val="lt1"/>
-          </a:fontRef>
-        </p:style>
-        <p:txBody>
-          <a:bodyPr rtlCol="0" anchor="ctr"/>
-          <a:lstStyle/>
-          <a:p>
-            <a:pPr algn="ctr"/>
-            <a:endParaRPr lang="fr-FR"/>
-          </a:p>
-        </p:txBody>
-      </p:sp>
-      <p:sp>
-        <p:nvSpPr>
-          <p:cNvPr id="16" name="Espace réservé du numéro de diapositive 11">
-            <a:extLst>
-              <a:ext uri="{FF2B5EF4-FFF2-40B4-BE49-F238E27FC236}">
-                <a16:creationId xmlns:a16="http://schemas.microsoft.com/office/drawing/2014/main" id="{C4BC3E63-B4B6-49C0-95C7-9C149F176671}"/>
-              </a:ext>
-            </a:extLst>
-          </p:cNvPr>
-          <p:cNvSpPr>
-            <a:spLocks noGrp="1"/>
-          </p:cNvSpPr>
-          <p:nvPr>
-            <p:ph type="sldNum" sz="quarter" idx="12"/>
-          </p:nvPr>
-        </p:nvSpPr>
-        <p:spPr>
-          <a:xfrm>
-            <a:off x="11158322" y="6492875"/>
-            <a:ext cx="870036" cy="365125"/>
-          </a:xfrm>
-        </p:spPr>
-        <p:txBody>
-          <a:bodyPr/>
-          <a:lstStyle/>
-          <a:p>
-            <a:fld id="{09EA0DBA-1CB7-49FD-A4E9-CB9833829DE4}" type="slidenum">
-              <a:rPr lang="fr-FR" sz="2000" b="1" smtClean="0">
-                <a:solidFill>
-                  <a:srgbClr val="FF0000"/>
-                </a:solidFill>
-                <a:latin typeface="Times New Roman" panose="02020603050405020304" pitchFamily="18" charset="0"/>
-                <a:cs typeface="Times New Roman" panose="02020603050405020304" pitchFamily="18" charset="0"/>
-              </a:rPr>
-              <a:t>15</a:t>
             </a:fld>
             <a:endParaRPr lang="fr-FR" sz="2000" b="1" dirty="0">
               <a:solidFill>
@@ -7115,13 +6512,18 @@
           <a:p>
             <a:pPr algn="ctr"/>
             <a:r>
-              <a:rPr lang="fr-FR" sz="4000" dirty="0">
+              <a:rPr lang="fr-FR" sz="4000" dirty="0" smtClean="0">
                 <a:solidFill>
                   <a:schemeClr val="bg1"/>
                 </a:solidFill>
               </a:rPr>
-              <a:t>PLAN</a:t>
-            </a:r>
+              <a:t>Créer un tableau</a:t>
+            </a:r>
+            <a:endParaRPr lang="fr-FR" sz="4000" dirty="0">
+              <a:solidFill>
+                <a:schemeClr val="bg1"/>
+              </a:solidFill>
+            </a:endParaRPr>
           </a:p>
         </p:txBody>
       </p:sp>
@@ -7168,462 +6570,117 @@
           </a:fontRef>
         </p:style>
       </p:cxnSp>
-      <p:grpSp>
-        <p:nvGrpSpPr>
-          <p:cNvPr id="18" name="Groupe 17">
-            <a:extLst>
-              <a:ext uri="{FF2B5EF4-FFF2-40B4-BE49-F238E27FC236}">
-                <a16:creationId xmlns:a16="http://schemas.microsoft.com/office/drawing/2014/main" id="{1403A3FC-8793-4AB6-AE4D-884281FE7C37}"/>
-              </a:ext>
-            </a:extLst>
-          </p:cNvPr>
-          <p:cNvGrpSpPr/>
+      <p:sp>
+        <p:nvSpPr>
+          <p:cNvPr id="14" name="Rectangle 13">
+            <a:extLst>
+              <a:ext uri="{FF2B5EF4-FFF2-40B4-BE49-F238E27FC236}">
+                <a16:creationId xmlns:a16="http://schemas.microsoft.com/office/drawing/2014/main" id="{A111C86D-0A6E-4457-9131-84B9AB8CA6E2}"/>
+              </a:ext>
+            </a:extLst>
+          </p:cNvPr>
+          <p:cNvSpPr/>
           <p:nvPr/>
-        </p:nvGrpSpPr>
-        <p:grpSpPr>
-          <a:xfrm>
-            <a:off x="711987" y="2206429"/>
-            <a:ext cx="3448496" cy="3510112"/>
-            <a:chOff x="179106" y="1504339"/>
-            <a:chExt cx="3802959" cy="4689981"/>
-          </a:xfrm>
-        </p:grpSpPr>
-        <p:sp>
-          <p:nvSpPr>
-            <p:cNvPr id="2" name="Cercle : creux 1">
-              <a:extLst>
-                <a:ext uri="{FF2B5EF4-FFF2-40B4-BE49-F238E27FC236}">
-                  <a16:creationId xmlns:a16="http://schemas.microsoft.com/office/drawing/2014/main" id="{B9075E7D-7ED5-47F4-B43A-1C128A52BF42}"/>
-                </a:ext>
-              </a:extLst>
-            </p:cNvPr>
-            <p:cNvSpPr/>
-            <p:nvPr/>
-          </p:nvSpPr>
-          <p:spPr>
-            <a:xfrm>
-              <a:off x="179106" y="1504339"/>
-              <a:ext cx="3802959" cy="4689981"/>
-            </a:xfrm>
-            <a:prstGeom prst="donut">
-              <a:avLst>
-                <a:gd name="adj" fmla="val 7089"/>
-              </a:avLst>
-            </a:prstGeom>
-            <a:solidFill>
-              <a:schemeClr val="accent6">
-                <a:lumMod val="50000"/>
-              </a:schemeClr>
-            </a:solidFill>
-            <a:ln>
-              <a:solidFill>
-                <a:schemeClr val="accent6"/>
-              </a:solidFill>
-            </a:ln>
-          </p:spPr>
-          <p:style>
-            <a:lnRef idx="2">
-              <a:schemeClr val="accent1">
-                <a:shade val="50000"/>
-              </a:schemeClr>
-            </a:lnRef>
-            <a:fillRef idx="1">
-              <a:schemeClr val="accent1"/>
-            </a:fillRef>
-            <a:effectRef idx="0">
-              <a:schemeClr val="accent1"/>
-            </a:effectRef>
-            <a:fontRef idx="minor">
-              <a:schemeClr val="lt1"/>
-            </a:fontRef>
-          </p:style>
-          <p:txBody>
-            <a:bodyPr rtlCol="0" anchor="ctr"/>
-            <a:lstStyle/>
-            <a:p>
-              <a:pPr algn="ctr"/>
-              <a:endParaRPr lang="fr-FR" dirty="0">
-                <a:solidFill>
-                  <a:schemeClr val="tx1"/>
-                </a:solidFill>
-              </a:endParaRPr>
-            </a:p>
-          </p:txBody>
-        </p:sp>
-        <p:sp>
-          <p:nvSpPr>
-            <p:cNvPr id="7" name="Cercle : creux 6">
-              <a:extLst>
-                <a:ext uri="{FF2B5EF4-FFF2-40B4-BE49-F238E27FC236}">
-                  <a16:creationId xmlns:a16="http://schemas.microsoft.com/office/drawing/2014/main" id="{C72D10B0-EE1C-4DA1-AD3E-E3D5B6BF0312}"/>
-                </a:ext>
-              </a:extLst>
-            </p:cNvPr>
-            <p:cNvSpPr/>
-            <p:nvPr/>
-          </p:nvSpPr>
-          <p:spPr>
-            <a:xfrm>
-              <a:off x="398207" y="2050578"/>
-              <a:ext cx="3032375" cy="3558355"/>
-            </a:xfrm>
-            <a:prstGeom prst="donut">
-              <a:avLst>
-                <a:gd name="adj" fmla="val 7089"/>
-              </a:avLst>
-            </a:prstGeom>
-            <a:solidFill>
-              <a:schemeClr val="accent6">
-                <a:lumMod val="50000"/>
-              </a:schemeClr>
-            </a:solidFill>
-            <a:ln>
-              <a:noFill/>
-            </a:ln>
-          </p:spPr>
-          <p:style>
-            <a:lnRef idx="2">
-              <a:schemeClr val="accent1">
-                <a:shade val="50000"/>
-              </a:schemeClr>
-            </a:lnRef>
-            <a:fillRef idx="1">
-              <a:schemeClr val="accent1"/>
-            </a:fillRef>
-            <a:effectRef idx="0">
-              <a:schemeClr val="accent1"/>
-            </a:effectRef>
-            <a:fontRef idx="minor">
-              <a:schemeClr val="lt1"/>
-            </a:fontRef>
-          </p:style>
-          <p:txBody>
-            <a:bodyPr rtlCol="0" anchor="ctr"/>
-            <a:lstStyle/>
-            <a:p>
-              <a:pPr algn="ctr"/>
-              <a:endParaRPr lang="fr-FR">
-                <a:solidFill>
-                  <a:schemeClr val="tx1"/>
-                </a:solidFill>
-              </a:endParaRPr>
-            </a:p>
-          </p:txBody>
-        </p:sp>
-        <p:sp>
-          <p:nvSpPr>
-            <p:cNvPr id="8" name="Cercle : creux 7">
-              <a:extLst>
-                <a:ext uri="{FF2B5EF4-FFF2-40B4-BE49-F238E27FC236}">
-                  <a16:creationId xmlns:a16="http://schemas.microsoft.com/office/drawing/2014/main" id="{E9FDB297-FB95-4E61-B03A-E017A70FBF91}"/>
-                </a:ext>
-              </a:extLst>
-            </p:cNvPr>
-            <p:cNvSpPr/>
-            <p:nvPr/>
-          </p:nvSpPr>
-          <p:spPr>
-            <a:xfrm>
-              <a:off x="530943" y="2364212"/>
-              <a:ext cx="2410194" cy="2856416"/>
-            </a:xfrm>
-            <a:prstGeom prst="donut">
-              <a:avLst>
-                <a:gd name="adj" fmla="val 7089"/>
-              </a:avLst>
-            </a:prstGeom>
-            <a:solidFill>
-              <a:schemeClr val="accent6">
-                <a:lumMod val="50000"/>
-              </a:schemeClr>
-            </a:solidFill>
-            <a:ln>
-              <a:noFill/>
-            </a:ln>
-          </p:spPr>
-          <p:style>
-            <a:lnRef idx="2">
-              <a:schemeClr val="accent1">
-                <a:shade val="50000"/>
-              </a:schemeClr>
-            </a:lnRef>
-            <a:fillRef idx="1">
-              <a:schemeClr val="accent1"/>
-            </a:fillRef>
-            <a:effectRef idx="0">
-              <a:schemeClr val="accent1"/>
-            </a:effectRef>
-            <a:fontRef idx="minor">
-              <a:schemeClr val="lt1"/>
-            </a:fontRef>
-          </p:style>
-          <p:txBody>
-            <a:bodyPr rtlCol="0" anchor="ctr"/>
-            <a:lstStyle/>
-            <a:p>
-              <a:pPr algn="ctr"/>
-              <a:endParaRPr lang="fr-FR">
-                <a:solidFill>
-                  <a:schemeClr val="tx1"/>
-                </a:solidFill>
-              </a:endParaRPr>
-            </a:p>
-          </p:txBody>
-        </p:sp>
-        <p:sp>
-          <p:nvSpPr>
-            <p:cNvPr id="5" name="Ellipse 4">
-              <a:extLst>
-                <a:ext uri="{FF2B5EF4-FFF2-40B4-BE49-F238E27FC236}">
-                  <a16:creationId xmlns:a16="http://schemas.microsoft.com/office/drawing/2014/main" id="{26123C21-D112-4FF2-A338-BC26618C9E42}"/>
-                </a:ext>
-              </a:extLst>
-            </p:cNvPr>
-            <p:cNvSpPr/>
-            <p:nvPr/>
-          </p:nvSpPr>
-          <p:spPr>
-            <a:xfrm>
-              <a:off x="983226" y="3126659"/>
-              <a:ext cx="1361767" cy="1340533"/>
-            </a:xfrm>
-            <a:prstGeom prst="ellipse">
-              <a:avLst/>
-            </a:prstGeom>
-            <a:solidFill>
-              <a:schemeClr val="accent6">
-                <a:lumMod val="50000"/>
-              </a:schemeClr>
-            </a:solidFill>
-            <a:ln>
-              <a:noFill/>
-            </a:ln>
-          </p:spPr>
-          <p:style>
-            <a:lnRef idx="2">
-              <a:schemeClr val="accent1">
-                <a:shade val="50000"/>
-              </a:schemeClr>
-            </a:lnRef>
-            <a:fillRef idx="1">
-              <a:schemeClr val="accent1"/>
-            </a:fillRef>
-            <a:effectRef idx="0">
-              <a:schemeClr val="accent1"/>
-            </a:effectRef>
-            <a:fontRef idx="minor">
-              <a:schemeClr val="lt1"/>
-            </a:fontRef>
-          </p:style>
-          <p:txBody>
-            <a:bodyPr rtlCol="0" anchor="ctr"/>
-            <a:lstStyle/>
-            <a:p>
-              <a:pPr algn="ctr"/>
-              <a:endParaRPr lang="fr-FR"/>
-            </a:p>
-          </p:txBody>
-        </p:sp>
-      </p:grpSp>
-      <p:grpSp>
-        <p:nvGrpSpPr>
-          <p:cNvPr id="20" name="Groupe 19">
-            <a:extLst>
-              <a:ext uri="{FF2B5EF4-FFF2-40B4-BE49-F238E27FC236}">
-                <a16:creationId xmlns:a16="http://schemas.microsoft.com/office/drawing/2014/main" id="{5995B952-ADD2-4BBB-9CD0-46A71FBEF754}"/>
-              </a:ext>
-            </a:extLst>
-          </p:cNvPr>
-          <p:cNvGrpSpPr/>
-          <p:nvPr/>
-        </p:nvGrpSpPr>
-        <p:grpSpPr>
-          <a:xfrm>
-            <a:off x="2973382" y="2114573"/>
-            <a:ext cx="6574616" cy="427151"/>
-            <a:chOff x="2973382" y="2114573"/>
-            <a:chExt cx="6574616" cy="427151"/>
-          </a:xfrm>
+        </p:nvSpPr>
+        <p:spPr>
+          <a:xfrm>
+            <a:off x="0" y="6385815"/>
+            <a:ext cx="12192000" cy="472186"/>
+          </a:xfrm>
+          <a:prstGeom prst="rect">
+            <a:avLst/>
+          </a:prstGeom>
           <a:solidFill>
-            <a:schemeClr val="accent6">
-              <a:lumMod val="50000"/>
+            <a:schemeClr val="accent1">
+              <a:lumMod val="20000"/>
+              <a:lumOff val="80000"/>
             </a:schemeClr>
           </a:solidFill>
-        </p:grpSpPr>
-        <p:cxnSp>
-          <p:nvCxnSpPr>
-            <p:cNvPr id="13" name="Connecteur droit 12">
-              <a:extLst>
-                <a:ext uri="{FF2B5EF4-FFF2-40B4-BE49-F238E27FC236}">
-                  <a16:creationId xmlns:a16="http://schemas.microsoft.com/office/drawing/2014/main" id="{30E20A67-118A-44A0-B3F4-5D6338BFAFB8}"/>
-                </a:ext>
-              </a:extLst>
-            </p:cNvPr>
-            <p:cNvCxnSpPr>
-              <a:cxnSpLocks/>
-            </p:cNvCxnSpPr>
-            <p:nvPr/>
-          </p:nvCxnSpPr>
-          <p:spPr>
-            <a:xfrm>
-              <a:off x="2973382" y="2328169"/>
-              <a:ext cx="6141121" cy="0"/>
-            </a:xfrm>
-            <a:prstGeom prst="line">
-              <a:avLst/>
-            </a:prstGeom>
-            <a:grpFill/>
-            <a:ln w="57150">
+          <a:ln>
+            <a:noFill/>
+          </a:ln>
+        </p:spPr>
+        <p:style>
+          <a:lnRef idx="2">
+            <a:schemeClr val="accent1">
+              <a:shade val="50000"/>
+            </a:schemeClr>
+          </a:lnRef>
+          <a:fillRef idx="1">
+            <a:schemeClr val="accent1"/>
+          </a:fillRef>
+          <a:effectRef idx="0">
+            <a:schemeClr val="accent1"/>
+          </a:effectRef>
+          <a:fontRef idx="minor">
+            <a:schemeClr val="lt1"/>
+          </a:fontRef>
+        </p:style>
+        <p:txBody>
+          <a:bodyPr rtlCol="0" anchor="ctr"/>
+          <a:lstStyle/>
+          <a:p>
+            <a:pPr algn="ctr"/>
+            <a:endParaRPr lang="fr-FR"/>
+          </a:p>
+        </p:txBody>
+      </p:sp>
+      <p:sp>
+        <p:nvSpPr>
+          <p:cNvPr id="16" name="Espace réservé du numéro de diapositive 11">
+            <a:extLst>
+              <a:ext uri="{FF2B5EF4-FFF2-40B4-BE49-F238E27FC236}">
+                <a16:creationId xmlns:a16="http://schemas.microsoft.com/office/drawing/2014/main" id="{C4BC3E63-B4B6-49C0-95C7-9C149F176671}"/>
+              </a:ext>
+            </a:extLst>
+          </p:cNvPr>
+          <p:cNvSpPr>
+            <a:spLocks noGrp="1"/>
+          </p:cNvSpPr>
+          <p:nvPr>
+            <p:ph type="sldNum" sz="quarter" idx="12"/>
+          </p:nvPr>
+        </p:nvSpPr>
+        <p:spPr>
+          <a:xfrm>
+            <a:off x="11158322" y="6492875"/>
+            <a:ext cx="870036" cy="365125"/>
+          </a:xfrm>
+        </p:spPr>
+        <p:txBody>
+          <a:bodyPr/>
+          <a:lstStyle/>
+          <a:p>
+            <a:fld id="{09EA0DBA-1CB7-49FD-A4E9-CB9833829DE4}" type="slidenum">
+              <a:rPr lang="fr-FR" sz="2000" b="1" smtClean="0">
+                <a:solidFill>
+                  <a:srgbClr val="FF0000"/>
+                </a:solidFill>
+                <a:latin typeface="Times New Roman" panose="02020603050405020304" pitchFamily="18" charset="0"/>
+                <a:cs typeface="Times New Roman" panose="02020603050405020304" pitchFamily="18" charset="0"/>
+              </a:rPr>
+              <a:t>3</a:t>
+            </a:fld>
+            <a:endParaRPr lang="fr-FR" sz="2000" b="1" dirty="0">
               <a:solidFill>
-                <a:schemeClr val="accent6">
-                  <a:lumMod val="50000"/>
-                </a:schemeClr>
+                <a:srgbClr val="FF0000"/>
               </a:solidFill>
-            </a:ln>
-          </p:spPr>
-          <p:style>
-            <a:lnRef idx="1">
-              <a:schemeClr val="accent1"/>
-            </a:lnRef>
-            <a:fillRef idx="0">
-              <a:schemeClr val="accent1"/>
-            </a:fillRef>
-            <a:effectRef idx="0">
-              <a:schemeClr val="accent1"/>
-            </a:effectRef>
-            <a:fontRef idx="minor">
-              <a:schemeClr val="tx1"/>
-            </a:fontRef>
-          </p:style>
-        </p:cxnSp>
-        <p:sp>
-          <p:nvSpPr>
-            <p:cNvPr id="15" name="Ellipse 14">
-              <a:extLst>
-                <a:ext uri="{FF2B5EF4-FFF2-40B4-BE49-F238E27FC236}">
-                  <a16:creationId xmlns:a16="http://schemas.microsoft.com/office/drawing/2014/main" id="{CCA54840-1683-4CAE-9AF4-4DA2467C4125}"/>
-                </a:ext>
-              </a:extLst>
-            </p:cNvPr>
-            <p:cNvSpPr/>
-            <p:nvPr/>
-          </p:nvSpPr>
-          <p:spPr>
-            <a:xfrm>
-              <a:off x="9114503" y="2172296"/>
-              <a:ext cx="433495" cy="311704"/>
-            </a:xfrm>
-            <a:prstGeom prst="ellipse">
-              <a:avLst/>
-            </a:prstGeom>
-            <a:grpFill/>
-            <a:ln w="28575">
-              <a:solidFill>
-                <a:schemeClr val="accent6">
-                  <a:lumMod val="50000"/>
-                </a:schemeClr>
-              </a:solidFill>
-            </a:ln>
-          </p:spPr>
-          <p:style>
-            <a:lnRef idx="2">
-              <a:schemeClr val="accent1">
-                <a:shade val="50000"/>
-              </a:schemeClr>
-            </a:lnRef>
-            <a:fillRef idx="1">
-              <a:schemeClr val="accent1"/>
-            </a:fillRef>
-            <a:effectRef idx="0">
-              <a:schemeClr val="accent1"/>
-            </a:effectRef>
-            <a:fontRef idx="minor">
-              <a:schemeClr val="lt1"/>
-            </a:fontRef>
-          </p:style>
-          <p:txBody>
-            <a:bodyPr rtlCol="0" anchor="ctr"/>
-            <a:lstStyle/>
-            <a:p>
-              <a:pPr algn="ctr"/>
-              <a:endParaRPr lang="fr-FR"/>
-            </a:p>
-          </p:txBody>
-        </p:sp>
-        <p:sp>
-          <p:nvSpPr>
-            <p:cNvPr id="16" name="Ellipse 15">
-              <a:extLst>
-                <a:ext uri="{FF2B5EF4-FFF2-40B4-BE49-F238E27FC236}">
-                  <a16:creationId xmlns:a16="http://schemas.microsoft.com/office/drawing/2014/main" id="{835F34AB-8760-437A-9CE8-E0736CF51708}"/>
-                </a:ext>
-              </a:extLst>
-            </p:cNvPr>
-            <p:cNvSpPr/>
-            <p:nvPr/>
-          </p:nvSpPr>
-          <p:spPr>
-            <a:xfrm>
-              <a:off x="3908323" y="2114573"/>
-              <a:ext cx="551482" cy="427151"/>
-            </a:xfrm>
-            <a:prstGeom prst="ellipse">
-              <a:avLst/>
-            </a:prstGeom>
-            <a:grpFill/>
-            <a:ln>
-              <a:solidFill>
-                <a:schemeClr val="accent6">
-                  <a:lumMod val="50000"/>
-                </a:schemeClr>
-              </a:solidFill>
-            </a:ln>
-          </p:spPr>
-          <p:style>
-            <a:lnRef idx="2">
-              <a:schemeClr val="accent1">
-                <a:shade val="50000"/>
-              </a:schemeClr>
-            </a:lnRef>
-            <a:fillRef idx="1">
-              <a:schemeClr val="accent1"/>
-            </a:fillRef>
-            <a:effectRef idx="0">
-              <a:schemeClr val="accent1"/>
-            </a:effectRef>
-            <a:fontRef idx="minor">
-              <a:schemeClr val="lt1"/>
-            </a:fontRef>
-          </p:style>
-          <p:txBody>
-            <a:bodyPr rtlCol="0" anchor="ctr"/>
-            <a:lstStyle/>
-            <a:p>
-              <a:pPr algn="ctr"/>
-              <a:r>
-                <a:rPr lang="fr-FR" sz="2800" b="1" dirty="0"/>
-                <a:t>1</a:t>
-              </a:r>
-            </a:p>
-          </p:txBody>
-        </p:sp>
-      </p:grpSp>
-      <p:sp>
-        <p:nvSpPr>
-          <p:cNvPr id="17" name="ZoneTexte 16">
-            <a:extLst>
-              <a:ext uri="{FF2B5EF4-FFF2-40B4-BE49-F238E27FC236}">
-                <a16:creationId xmlns:a16="http://schemas.microsoft.com/office/drawing/2014/main" id="{455BDBB0-54F3-465C-A76F-B217538C2C16}"/>
-              </a:ext>
-            </a:extLst>
-          </p:cNvPr>
-          <p:cNvSpPr txBox="1"/>
+              <a:latin typeface="Times New Roman" panose="02020603050405020304" pitchFamily="18" charset="0"/>
+              <a:cs typeface="Times New Roman" panose="02020603050405020304" pitchFamily="18" charset="0"/>
+            </a:endParaRPr>
+          </a:p>
+        </p:txBody>
+      </p:sp>
+      <p:sp>
+        <p:nvSpPr>
+          <p:cNvPr id="7" name="Rectangle 6"/>
+          <p:cNvSpPr/>
           <p:nvPr/>
         </p:nvSpPr>
         <p:spPr>
           <a:xfrm>
-            <a:off x="5221211" y="1804928"/>
-            <a:ext cx="3448495" cy="1384995"/>
+            <a:off x="810242" y="1710776"/>
+            <a:ext cx="7445435" cy="830997"/>
           </a:xfrm>
           <a:prstGeom prst="rect">
             <a:avLst/>
@@ -7631,590 +6688,73 @@
           <a:noFill/>
         </p:spPr>
         <p:txBody>
-          <a:bodyPr wrap="square" rtlCol="0">
+          <a:bodyPr wrap="none" lIns="91440" tIns="45720" rIns="91440" bIns="45720">
             <a:spAutoFit/>
           </a:bodyPr>
           <a:lstStyle/>
           <a:p>
-            <a:r>
-              <a:rPr lang="fr-FR" sz="2800" dirty="0" smtClean="0"/>
-              <a:t>Structure des formules</a:t>
-            </a:r>
-            <a:endParaRPr lang="fr-FR" sz="2800" dirty="0"/>
-          </a:p>
-          <a:p>
-            <a:endParaRPr lang="fr-FR" sz="2800" dirty="0">
-              <a:latin typeface="Times New Roman" panose="02020603050405020304" pitchFamily="18" charset="0"/>
-              <a:cs typeface="Times New Roman" panose="02020603050405020304" pitchFamily="18" charset="0"/>
+            <a:pPr algn="ctr"/>
+            <a:r>
+              <a:rPr lang="fr-FR" sz="2400" b="0" cap="none" spc="0" dirty="0" smtClean="0">
+                <a:ln w="0"/>
+                <a:solidFill>
+                  <a:schemeClr val="tx1"/>
+                </a:solidFill>
+                <a:effectLst>
+                  <a:outerShdw blurRad="38100" dist="19050" dir="2700000" algn="tl" rotWithShape="0">
+                    <a:schemeClr val="dk1">
+                      <a:alpha val="40000"/>
+                    </a:schemeClr>
+                  </a:outerShdw>
+                </a:effectLst>
+              </a:rPr>
+              <a:t>Les filtres appliqués à un tableau permettent de visionner </a:t>
+            </a:r>
+          </a:p>
+          <a:p>
+            <a:pPr algn="ctr"/>
+            <a:r>
+              <a:rPr lang="fr-FR" sz="2400" b="0" cap="none" spc="0" dirty="0" smtClean="0">
+                <a:ln w="0"/>
+                <a:solidFill>
+                  <a:schemeClr val="tx1"/>
+                </a:solidFill>
+                <a:effectLst>
+                  <a:outerShdw blurRad="38100" dist="19050" dir="2700000" algn="tl" rotWithShape="0">
+                    <a:schemeClr val="dk1">
+                      <a:alpha val="40000"/>
+                    </a:schemeClr>
+                  </a:outerShdw>
+                </a:effectLst>
+              </a:rPr>
+              <a:t>certains éléments de cette liste en fonction d’autres</a:t>
+            </a:r>
+            <a:endParaRPr lang="fr-FR" sz="2400" b="0" cap="none" spc="0" dirty="0">
+              <a:ln w="0"/>
+              <a:solidFill>
+                <a:schemeClr val="tx1"/>
+              </a:solidFill>
+              <a:effectLst>
+                <a:outerShdw blurRad="38100" dist="19050" dir="2700000" algn="tl" rotWithShape="0">
+                  <a:schemeClr val="dk1">
+                    <a:alpha val="40000"/>
+                  </a:schemeClr>
+                </a:outerShdw>
+              </a:effectLst>
             </a:endParaRPr>
           </a:p>
         </p:txBody>
       </p:sp>
-      <p:grpSp>
-        <p:nvGrpSpPr>
-          <p:cNvPr id="21" name="Groupe 20">
-            <a:extLst>
-              <a:ext uri="{FF2B5EF4-FFF2-40B4-BE49-F238E27FC236}">
-                <a16:creationId xmlns:a16="http://schemas.microsoft.com/office/drawing/2014/main" id="{7B617DD5-4BBB-46F2-820E-E5E4D661B703}"/>
-              </a:ext>
-            </a:extLst>
-          </p:cNvPr>
-          <p:cNvGrpSpPr/>
-          <p:nvPr/>
-        </p:nvGrpSpPr>
-        <p:grpSpPr>
-          <a:xfrm>
-            <a:off x="4068591" y="3207042"/>
-            <a:ext cx="6574616" cy="427151"/>
-            <a:chOff x="2973382" y="2114573"/>
-            <a:chExt cx="6574616" cy="427151"/>
-          </a:xfrm>
-          <a:solidFill>
-            <a:schemeClr val="accent6">
-              <a:lumMod val="50000"/>
-            </a:schemeClr>
-          </a:solidFill>
-        </p:grpSpPr>
-        <p:cxnSp>
-          <p:nvCxnSpPr>
-            <p:cNvPr id="22" name="Connecteur droit 21">
-              <a:extLst>
-                <a:ext uri="{FF2B5EF4-FFF2-40B4-BE49-F238E27FC236}">
-                  <a16:creationId xmlns:a16="http://schemas.microsoft.com/office/drawing/2014/main" id="{00FC5429-3123-49E9-A7D9-40187235B090}"/>
-                </a:ext>
-              </a:extLst>
-            </p:cNvPr>
-            <p:cNvCxnSpPr>
-              <a:cxnSpLocks/>
-            </p:cNvCxnSpPr>
-            <p:nvPr/>
-          </p:nvCxnSpPr>
-          <p:spPr>
-            <a:xfrm>
-              <a:off x="2973382" y="2328169"/>
-              <a:ext cx="6141121" cy="0"/>
-            </a:xfrm>
-            <a:prstGeom prst="line">
-              <a:avLst/>
-            </a:prstGeom>
-            <a:grpFill/>
-            <a:ln w="57150">
-              <a:solidFill>
-                <a:schemeClr val="accent6">
-                  <a:lumMod val="50000"/>
-                </a:schemeClr>
-              </a:solidFill>
-            </a:ln>
-          </p:spPr>
-          <p:style>
-            <a:lnRef idx="1">
-              <a:schemeClr val="accent1"/>
-            </a:lnRef>
-            <a:fillRef idx="0">
-              <a:schemeClr val="accent1"/>
-            </a:fillRef>
-            <a:effectRef idx="0">
-              <a:schemeClr val="accent1"/>
-            </a:effectRef>
-            <a:fontRef idx="minor">
-              <a:schemeClr val="tx1"/>
-            </a:fontRef>
-          </p:style>
-        </p:cxnSp>
-        <p:sp>
-          <p:nvSpPr>
-            <p:cNvPr id="23" name="Ellipse 22">
-              <a:extLst>
-                <a:ext uri="{FF2B5EF4-FFF2-40B4-BE49-F238E27FC236}">
-                  <a16:creationId xmlns:a16="http://schemas.microsoft.com/office/drawing/2014/main" id="{1E10ECAE-9B08-4C4A-B7C9-8E3B3BC3E59C}"/>
-                </a:ext>
-              </a:extLst>
-            </p:cNvPr>
-            <p:cNvSpPr/>
-            <p:nvPr/>
-          </p:nvSpPr>
-          <p:spPr>
-            <a:xfrm>
-              <a:off x="9114503" y="2172296"/>
-              <a:ext cx="433495" cy="311704"/>
-            </a:xfrm>
-            <a:prstGeom prst="ellipse">
-              <a:avLst/>
-            </a:prstGeom>
-            <a:grpFill/>
-            <a:ln w="28575">
-              <a:solidFill>
-                <a:schemeClr val="accent6">
-                  <a:lumMod val="50000"/>
-                </a:schemeClr>
-              </a:solidFill>
-            </a:ln>
-          </p:spPr>
-          <p:style>
-            <a:lnRef idx="2">
-              <a:schemeClr val="accent1">
-                <a:shade val="50000"/>
-              </a:schemeClr>
-            </a:lnRef>
-            <a:fillRef idx="1">
-              <a:schemeClr val="accent1"/>
-            </a:fillRef>
-            <a:effectRef idx="0">
-              <a:schemeClr val="accent1"/>
-            </a:effectRef>
-            <a:fontRef idx="minor">
-              <a:schemeClr val="lt1"/>
-            </a:fontRef>
-          </p:style>
-          <p:txBody>
-            <a:bodyPr rtlCol="0" anchor="ctr"/>
-            <a:lstStyle/>
-            <a:p>
-              <a:pPr algn="ctr"/>
-              <a:endParaRPr lang="fr-FR"/>
-            </a:p>
-          </p:txBody>
-        </p:sp>
-        <p:sp>
-          <p:nvSpPr>
-            <p:cNvPr id="24" name="Ellipse 23">
-              <a:extLst>
-                <a:ext uri="{FF2B5EF4-FFF2-40B4-BE49-F238E27FC236}">
-                  <a16:creationId xmlns:a16="http://schemas.microsoft.com/office/drawing/2014/main" id="{353EF1AE-0024-47C6-8D19-5B5AA7FF8A20}"/>
-                </a:ext>
-              </a:extLst>
-            </p:cNvPr>
-            <p:cNvSpPr/>
-            <p:nvPr/>
-          </p:nvSpPr>
-          <p:spPr>
-            <a:xfrm>
-              <a:off x="3908323" y="2114573"/>
-              <a:ext cx="551482" cy="427151"/>
-            </a:xfrm>
-            <a:prstGeom prst="ellipse">
-              <a:avLst/>
-            </a:prstGeom>
-            <a:grpFill/>
-            <a:ln>
-              <a:solidFill>
-                <a:schemeClr val="accent6">
-                  <a:lumMod val="50000"/>
-                </a:schemeClr>
-              </a:solidFill>
-            </a:ln>
-          </p:spPr>
-          <p:style>
-            <a:lnRef idx="2">
-              <a:schemeClr val="accent1">
-                <a:shade val="50000"/>
-              </a:schemeClr>
-            </a:lnRef>
-            <a:fillRef idx="1">
-              <a:schemeClr val="accent1"/>
-            </a:fillRef>
-            <a:effectRef idx="0">
-              <a:schemeClr val="accent1"/>
-            </a:effectRef>
-            <a:fontRef idx="minor">
-              <a:schemeClr val="lt1"/>
-            </a:fontRef>
-          </p:style>
-          <p:txBody>
-            <a:bodyPr rtlCol="0" anchor="ctr"/>
-            <a:lstStyle/>
-            <a:p>
-              <a:pPr algn="ctr"/>
-              <a:r>
-                <a:rPr lang="fr-FR" sz="2800" b="1" dirty="0"/>
-                <a:t>2</a:t>
-              </a:r>
-            </a:p>
-          </p:txBody>
-        </p:sp>
-      </p:grpSp>
-      <p:grpSp>
-        <p:nvGrpSpPr>
-          <p:cNvPr id="25" name="Groupe 24">
-            <a:extLst>
-              <a:ext uri="{FF2B5EF4-FFF2-40B4-BE49-F238E27FC236}">
-                <a16:creationId xmlns:a16="http://schemas.microsoft.com/office/drawing/2014/main" id="{C2EC2BF9-4243-46D0-B0B6-BE3774ADE858}"/>
-              </a:ext>
-            </a:extLst>
-          </p:cNvPr>
-          <p:cNvGrpSpPr/>
-          <p:nvPr/>
-        </p:nvGrpSpPr>
-        <p:grpSpPr>
-          <a:xfrm>
-            <a:off x="4068591" y="4297268"/>
-            <a:ext cx="6574616" cy="427151"/>
-            <a:chOff x="2973382" y="2114573"/>
-            <a:chExt cx="6574616" cy="427151"/>
-          </a:xfrm>
-          <a:solidFill>
-            <a:schemeClr val="accent6">
-              <a:lumMod val="50000"/>
-            </a:schemeClr>
-          </a:solidFill>
-        </p:grpSpPr>
-        <p:cxnSp>
-          <p:nvCxnSpPr>
-            <p:cNvPr id="26" name="Connecteur droit 25">
-              <a:extLst>
-                <a:ext uri="{FF2B5EF4-FFF2-40B4-BE49-F238E27FC236}">
-                  <a16:creationId xmlns:a16="http://schemas.microsoft.com/office/drawing/2014/main" id="{B2CC0072-0033-4AD2-9F17-DF21ED69B84E}"/>
-                </a:ext>
-              </a:extLst>
-            </p:cNvPr>
-            <p:cNvCxnSpPr>
-              <a:cxnSpLocks/>
-            </p:cNvCxnSpPr>
-            <p:nvPr/>
-          </p:nvCxnSpPr>
-          <p:spPr>
-            <a:xfrm>
-              <a:off x="2973382" y="2328169"/>
-              <a:ext cx="6141121" cy="0"/>
-            </a:xfrm>
-            <a:prstGeom prst="line">
-              <a:avLst/>
-            </a:prstGeom>
-            <a:grpFill/>
-            <a:ln w="57150">
-              <a:solidFill>
-                <a:schemeClr val="accent6">
-                  <a:lumMod val="50000"/>
-                </a:schemeClr>
-              </a:solidFill>
-            </a:ln>
-          </p:spPr>
-          <p:style>
-            <a:lnRef idx="1">
-              <a:schemeClr val="accent1"/>
-            </a:lnRef>
-            <a:fillRef idx="0">
-              <a:schemeClr val="accent1"/>
-            </a:fillRef>
-            <a:effectRef idx="0">
-              <a:schemeClr val="accent1"/>
-            </a:effectRef>
-            <a:fontRef idx="minor">
-              <a:schemeClr val="tx1"/>
-            </a:fontRef>
-          </p:style>
-        </p:cxnSp>
-        <p:sp>
-          <p:nvSpPr>
-            <p:cNvPr id="27" name="Ellipse 26">
-              <a:extLst>
-                <a:ext uri="{FF2B5EF4-FFF2-40B4-BE49-F238E27FC236}">
-                  <a16:creationId xmlns:a16="http://schemas.microsoft.com/office/drawing/2014/main" id="{46AE0798-E7D3-43E1-860E-F2A14A0C7821}"/>
-                </a:ext>
-              </a:extLst>
-            </p:cNvPr>
-            <p:cNvSpPr/>
-            <p:nvPr/>
-          </p:nvSpPr>
-          <p:spPr>
-            <a:xfrm>
-              <a:off x="9114503" y="2172296"/>
-              <a:ext cx="433495" cy="311704"/>
-            </a:xfrm>
-            <a:prstGeom prst="ellipse">
-              <a:avLst/>
-            </a:prstGeom>
-            <a:grpFill/>
-            <a:ln w="28575">
-              <a:solidFill>
-                <a:schemeClr val="accent6">
-                  <a:lumMod val="50000"/>
-                </a:schemeClr>
-              </a:solidFill>
-            </a:ln>
-          </p:spPr>
-          <p:style>
-            <a:lnRef idx="2">
-              <a:schemeClr val="accent1">
-                <a:shade val="50000"/>
-              </a:schemeClr>
-            </a:lnRef>
-            <a:fillRef idx="1">
-              <a:schemeClr val="accent1"/>
-            </a:fillRef>
-            <a:effectRef idx="0">
-              <a:schemeClr val="accent1"/>
-            </a:effectRef>
-            <a:fontRef idx="minor">
-              <a:schemeClr val="lt1"/>
-            </a:fontRef>
-          </p:style>
-          <p:txBody>
-            <a:bodyPr rtlCol="0" anchor="ctr"/>
-            <a:lstStyle/>
-            <a:p>
-              <a:pPr algn="ctr"/>
-              <a:endParaRPr lang="fr-FR"/>
-            </a:p>
-          </p:txBody>
-        </p:sp>
-        <p:sp>
-          <p:nvSpPr>
-            <p:cNvPr id="28" name="Ellipse 27">
-              <a:extLst>
-                <a:ext uri="{FF2B5EF4-FFF2-40B4-BE49-F238E27FC236}">
-                  <a16:creationId xmlns:a16="http://schemas.microsoft.com/office/drawing/2014/main" id="{06BBF951-4DB6-4BF4-8FE1-69766CB55CAF}"/>
-                </a:ext>
-              </a:extLst>
-            </p:cNvPr>
-            <p:cNvSpPr/>
-            <p:nvPr/>
-          </p:nvSpPr>
-          <p:spPr>
-            <a:xfrm>
-              <a:off x="3908323" y="2114573"/>
-              <a:ext cx="551482" cy="427151"/>
-            </a:xfrm>
-            <a:prstGeom prst="ellipse">
-              <a:avLst/>
-            </a:prstGeom>
-            <a:grpFill/>
-            <a:ln>
-              <a:solidFill>
-                <a:schemeClr val="accent6">
-                  <a:lumMod val="50000"/>
-                </a:schemeClr>
-              </a:solidFill>
-            </a:ln>
-          </p:spPr>
-          <p:style>
-            <a:lnRef idx="2">
-              <a:schemeClr val="accent1">
-                <a:shade val="50000"/>
-              </a:schemeClr>
-            </a:lnRef>
-            <a:fillRef idx="1">
-              <a:schemeClr val="accent1"/>
-            </a:fillRef>
-            <a:effectRef idx="0">
-              <a:schemeClr val="accent1"/>
-            </a:effectRef>
-            <a:fontRef idx="minor">
-              <a:schemeClr val="lt1"/>
-            </a:fontRef>
-          </p:style>
-          <p:txBody>
-            <a:bodyPr rtlCol="0" anchor="ctr"/>
-            <a:lstStyle/>
-            <a:p>
-              <a:pPr algn="ctr"/>
-              <a:r>
-                <a:rPr lang="fr-FR" sz="2800" b="1" dirty="0"/>
-                <a:t>3</a:t>
-              </a:r>
-            </a:p>
-          </p:txBody>
-        </p:sp>
-      </p:grpSp>
-      <p:grpSp>
-        <p:nvGrpSpPr>
-          <p:cNvPr id="29" name="Groupe 28">
-            <a:extLst>
-              <a:ext uri="{FF2B5EF4-FFF2-40B4-BE49-F238E27FC236}">
-                <a16:creationId xmlns:a16="http://schemas.microsoft.com/office/drawing/2014/main" id="{211F1DB6-032E-4D53-AB25-7158DFC758DB}"/>
-              </a:ext>
-            </a:extLst>
-          </p:cNvPr>
-          <p:cNvGrpSpPr/>
-          <p:nvPr/>
-        </p:nvGrpSpPr>
-        <p:grpSpPr>
-          <a:xfrm>
-            <a:off x="2674060" y="5381246"/>
-            <a:ext cx="6574616" cy="427151"/>
-            <a:chOff x="2973382" y="2114573"/>
-            <a:chExt cx="6574616" cy="427151"/>
-          </a:xfrm>
-          <a:solidFill>
-            <a:schemeClr val="accent6">
-              <a:lumMod val="50000"/>
-            </a:schemeClr>
-          </a:solidFill>
-        </p:grpSpPr>
-        <p:cxnSp>
-          <p:nvCxnSpPr>
-            <p:cNvPr id="30" name="Connecteur droit 29">
-              <a:extLst>
-                <a:ext uri="{FF2B5EF4-FFF2-40B4-BE49-F238E27FC236}">
-                  <a16:creationId xmlns:a16="http://schemas.microsoft.com/office/drawing/2014/main" id="{6095B133-88B0-4467-906E-2D0F97C25DC6}"/>
-                </a:ext>
-              </a:extLst>
-            </p:cNvPr>
-            <p:cNvCxnSpPr>
-              <a:cxnSpLocks/>
-            </p:cNvCxnSpPr>
-            <p:nvPr/>
-          </p:nvCxnSpPr>
-          <p:spPr>
-            <a:xfrm>
-              <a:off x="2973382" y="2328169"/>
-              <a:ext cx="6141121" cy="0"/>
-            </a:xfrm>
-            <a:prstGeom prst="line">
-              <a:avLst/>
-            </a:prstGeom>
-            <a:grpFill/>
-            <a:ln w="57150">
-              <a:solidFill>
-                <a:schemeClr val="accent6">
-                  <a:lumMod val="50000"/>
-                </a:schemeClr>
-              </a:solidFill>
-            </a:ln>
-          </p:spPr>
-          <p:style>
-            <a:lnRef idx="1">
-              <a:schemeClr val="accent1"/>
-            </a:lnRef>
-            <a:fillRef idx="0">
-              <a:schemeClr val="accent1"/>
-            </a:fillRef>
-            <a:effectRef idx="0">
-              <a:schemeClr val="accent1"/>
-            </a:effectRef>
-            <a:fontRef idx="minor">
-              <a:schemeClr val="tx1"/>
-            </a:fontRef>
-          </p:style>
-        </p:cxnSp>
-        <p:sp>
-          <p:nvSpPr>
-            <p:cNvPr id="31" name="Ellipse 30">
-              <a:extLst>
-                <a:ext uri="{FF2B5EF4-FFF2-40B4-BE49-F238E27FC236}">
-                  <a16:creationId xmlns:a16="http://schemas.microsoft.com/office/drawing/2014/main" id="{2650EEBC-96AC-4896-9F5C-81C1A99E141D}"/>
-                </a:ext>
-              </a:extLst>
-            </p:cNvPr>
-            <p:cNvSpPr/>
-            <p:nvPr/>
-          </p:nvSpPr>
-          <p:spPr>
-            <a:xfrm>
-              <a:off x="9114503" y="2172296"/>
-              <a:ext cx="433495" cy="311704"/>
-            </a:xfrm>
-            <a:prstGeom prst="ellipse">
-              <a:avLst/>
-            </a:prstGeom>
-            <a:grpFill/>
-            <a:ln w="28575">
-              <a:solidFill>
-                <a:schemeClr val="accent6">
-                  <a:lumMod val="50000"/>
-                </a:schemeClr>
-              </a:solidFill>
-            </a:ln>
-          </p:spPr>
-          <p:style>
-            <a:lnRef idx="2">
-              <a:schemeClr val="accent1">
-                <a:shade val="50000"/>
-              </a:schemeClr>
-            </a:lnRef>
-            <a:fillRef idx="1">
-              <a:schemeClr val="accent1"/>
-            </a:fillRef>
-            <a:effectRef idx="0">
-              <a:schemeClr val="accent1"/>
-            </a:effectRef>
-            <a:fontRef idx="minor">
-              <a:schemeClr val="lt1"/>
-            </a:fontRef>
-          </p:style>
-          <p:txBody>
-            <a:bodyPr rtlCol="0" anchor="ctr"/>
-            <a:lstStyle/>
-            <a:p>
-              <a:pPr algn="ctr"/>
-              <a:endParaRPr lang="fr-FR"/>
-            </a:p>
-          </p:txBody>
-        </p:sp>
-        <p:sp>
-          <p:nvSpPr>
-            <p:cNvPr id="32" name="Ellipse 31">
-              <a:extLst>
-                <a:ext uri="{FF2B5EF4-FFF2-40B4-BE49-F238E27FC236}">
-                  <a16:creationId xmlns:a16="http://schemas.microsoft.com/office/drawing/2014/main" id="{23950303-F247-4268-90A2-76B39383BFCD}"/>
-                </a:ext>
-              </a:extLst>
-            </p:cNvPr>
-            <p:cNvSpPr/>
-            <p:nvPr/>
-          </p:nvSpPr>
-          <p:spPr>
-            <a:xfrm>
-              <a:off x="3908323" y="2114573"/>
-              <a:ext cx="551482" cy="427151"/>
-            </a:xfrm>
-            <a:prstGeom prst="ellipse">
-              <a:avLst/>
-            </a:prstGeom>
-            <a:grpFill/>
-            <a:ln>
-              <a:solidFill>
-                <a:schemeClr val="accent6">
-                  <a:lumMod val="50000"/>
-                </a:schemeClr>
-              </a:solidFill>
-            </a:ln>
-          </p:spPr>
-          <p:style>
-            <a:lnRef idx="2">
-              <a:schemeClr val="accent1">
-                <a:shade val="50000"/>
-              </a:schemeClr>
-            </a:lnRef>
-            <a:fillRef idx="1">
-              <a:schemeClr val="accent1"/>
-            </a:fillRef>
-            <a:effectRef idx="0">
-              <a:schemeClr val="accent1"/>
-            </a:effectRef>
-            <a:fontRef idx="minor">
-              <a:schemeClr val="lt1"/>
-            </a:fontRef>
-          </p:style>
-          <p:txBody>
-            <a:bodyPr rtlCol="0" anchor="ctr"/>
-            <a:lstStyle/>
-            <a:p>
-              <a:pPr algn="ctr"/>
-              <a:r>
-                <a:rPr lang="fr-FR" sz="2800" b="1" dirty="0"/>
-                <a:t>4</a:t>
-              </a:r>
-            </a:p>
-          </p:txBody>
-        </p:sp>
-      </p:grpSp>
-      <p:sp>
-        <p:nvSpPr>
-          <p:cNvPr id="33" name="Rectangle 32">
-            <a:extLst>
-              <a:ext uri="{FF2B5EF4-FFF2-40B4-BE49-F238E27FC236}">
-                <a16:creationId xmlns:a16="http://schemas.microsoft.com/office/drawing/2014/main" id="{537B9B45-426A-44DB-8674-47A85ADAFC77}"/>
-              </a:ext>
-            </a:extLst>
-          </p:cNvPr>
+      <p:sp>
+        <p:nvSpPr>
+          <p:cNvPr id="9" name="Rectangle 8"/>
           <p:cNvSpPr/>
           <p:nvPr/>
         </p:nvSpPr>
         <p:spPr>
           <a:xfrm>
-            <a:off x="5555014" y="2849982"/>
-            <a:ext cx="5598520" cy="523220"/>
+            <a:off x="396252" y="3217298"/>
+            <a:ext cx="10606045" cy="830997"/>
           </a:xfrm>
           <a:prstGeom prst="rect">
             <a:avLst/>
@@ -8222,95 +6762,67 @@
           <a:noFill/>
         </p:spPr>
         <p:txBody>
-          <a:bodyPr wrap="square" rtlCol="0">
+          <a:bodyPr wrap="none" lIns="91440" tIns="45720" rIns="91440" bIns="45720">
             <a:spAutoFit/>
           </a:bodyPr>
           <a:lstStyle/>
           <a:p>
-            <a:r>
-              <a:rPr lang="fr-FR" sz="2800" dirty="0" smtClean="0"/>
-              <a:t>Introduction sur les fonctions</a:t>
-            </a:r>
-            <a:endParaRPr lang="fr-FR" sz="2800" dirty="0"/>
-          </a:p>
-        </p:txBody>
-      </p:sp>
-      <p:sp>
-        <p:nvSpPr>
-          <p:cNvPr id="34" name="Rectangle 33">
-            <a:extLst>
-              <a:ext uri="{FF2B5EF4-FFF2-40B4-BE49-F238E27FC236}">
-                <a16:creationId xmlns:a16="http://schemas.microsoft.com/office/drawing/2014/main" id="{C45E39B8-B48D-4463-B93D-204A368E5933}"/>
-              </a:ext>
-            </a:extLst>
-          </p:cNvPr>
-          <p:cNvSpPr/>
-          <p:nvPr/>
-        </p:nvSpPr>
-        <p:spPr>
-          <a:xfrm>
-            <a:off x="5642452" y="4027393"/>
-            <a:ext cx="4312917" cy="523220"/>
-          </a:xfrm>
-          <a:prstGeom prst="rect">
-            <a:avLst/>
-          </a:prstGeom>
-          <a:noFill/>
-        </p:spPr>
-        <p:txBody>
-          <a:bodyPr wrap="square" rtlCol="0">
-            <a:spAutoFit/>
-          </a:bodyPr>
-          <a:lstStyle/>
-          <a:p>
-            <a:r>
-              <a:rPr lang="fr-FR" sz="2800" dirty="0" smtClean="0"/>
-              <a:t>Fonctions statistiques</a:t>
-            </a:r>
-            <a:endParaRPr lang="fr-FR" sz="2800" dirty="0"/>
-          </a:p>
-        </p:txBody>
-      </p:sp>
-      <p:sp>
-        <p:nvSpPr>
-          <p:cNvPr id="35" name="Rectangle 34">
-            <a:extLst>
-              <a:ext uri="{FF2B5EF4-FFF2-40B4-BE49-F238E27FC236}">
-                <a16:creationId xmlns:a16="http://schemas.microsoft.com/office/drawing/2014/main" id="{D446110A-A22C-46B9-AC61-D014CC2B5E15}"/>
-              </a:ext>
-            </a:extLst>
-          </p:cNvPr>
-          <p:cNvSpPr/>
-          <p:nvPr/>
-        </p:nvSpPr>
-        <p:spPr>
-          <a:xfrm>
-            <a:off x="4459804" y="5138963"/>
-            <a:ext cx="4209901" cy="523220"/>
-          </a:xfrm>
-          <a:prstGeom prst="rect">
-            <a:avLst/>
-          </a:prstGeom>
-          <a:noFill/>
-        </p:spPr>
-        <p:txBody>
-          <a:bodyPr wrap="square" rtlCol="0">
-            <a:spAutoFit/>
-          </a:bodyPr>
-          <a:lstStyle/>
-          <a:p>
-            <a:r>
-              <a:rPr lang="fr-FR" sz="2800" dirty="0" smtClean="0"/>
-              <a:t>Autres fonctions</a:t>
-            </a:r>
-            <a:endParaRPr lang="fr-FR" sz="2800" dirty="0"/>
+            <a:pPr algn="ctr"/>
+            <a:r>
+              <a:rPr lang="fr-FR" sz="2400" b="0" cap="none" spc="0" dirty="0" smtClean="0">
+                <a:ln w="0"/>
+                <a:solidFill>
+                  <a:schemeClr val="tx1"/>
+                </a:solidFill>
+                <a:effectLst>
+                  <a:outerShdw blurRad="38100" dist="19050" dir="2700000" algn="tl" rotWithShape="0">
+                    <a:schemeClr val="dk1">
+                      <a:alpha val="40000"/>
+                    </a:schemeClr>
+                  </a:outerShdw>
+                </a:effectLst>
+              </a:rPr>
+              <a:t>Sélectionner toutes les cellules qui composent ce fameux tableau puis dans</a:t>
+            </a:r>
+          </a:p>
+          <a:p>
+            <a:pPr algn="ctr"/>
+            <a:r>
+              <a:rPr lang="fr-FR" sz="2400" b="0" cap="none" spc="0" dirty="0" smtClean="0">
+                <a:ln w="0"/>
+                <a:solidFill>
+                  <a:schemeClr val="tx1"/>
+                </a:solidFill>
+                <a:effectLst>
+                  <a:outerShdw blurRad="38100" dist="19050" dir="2700000" algn="tl" rotWithShape="0">
+                    <a:schemeClr val="dk1">
+                      <a:alpha val="40000"/>
+                    </a:schemeClr>
+                  </a:outerShdw>
+                </a:effectLst>
+              </a:rPr>
+              <a:t> l’onglet « Insertion » et dans le cadre « Tableaux », cliquez sur le bouton « Tableau »</a:t>
+            </a:r>
+            <a:endParaRPr lang="fr-FR" sz="2400" b="0" cap="none" spc="0" dirty="0">
+              <a:ln w="0"/>
+              <a:solidFill>
+                <a:schemeClr val="tx1"/>
+              </a:solidFill>
+              <a:effectLst>
+                <a:outerShdw blurRad="38100" dist="19050" dir="2700000" algn="tl" rotWithShape="0">
+                  <a:schemeClr val="dk1">
+                    <a:alpha val="40000"/>
+                  </a:schemeClr>
+                </a:outerShdw>
+              </a:effectLst>
+            </a:endParaRPr>
           </a:p>
         </p:txBody>
       </p:sp>
     </p:spTree>
     <p:extLst>
       <p:ext uri="{BB962C8B-B14F-4D97-AF65-F5344CB8AC3E}">
-        <p14:creationId xmlns:p14="http://schemas.microsoft.com/office/powerpoint/2010/main" val="1035597218"/>
+        <p14:creationId xmlns:p14="http://schemas.microsoft.com/office/powerpoint/2010/main" val="2073210021"/>
       </p:ext>
     </p:extLst>
   </p:cSld>
@@ -8552,158 +7064,34 @@
           </a:p>
         </p:txBody>
       </p:sp>
-      <p:sp>
-        <p:nvSpPr>
-          <p:cNvPr id="7" name="Rectangle 6"/>
-          <p:cNvSpPr/>
+      <p:pic>
+        <p:nvPicPr>
+          <p:cNvPr id="5" name="Image 4"/>
+          <p:cNvPicPr>
+            <a:picLocks noChangeAspect="1"/>
+          </p:cNvPicPr>
           <p:nvPr/>
-        </p:nvSpPr>
-        <p:spPr>
-          <a:xfrm>
-            <a:off x="810242" y="1710776"/>
-            <a:ext cx="7445435" cy="830997"/>
+        </p:nvPicPr>
+        <p:blipFill>
+          <a:blip r:embed="rId2"/>
+          <a:stretch>
+            <a:fillRect/>
+          </a:stretch>
+        </p:blipFill>
+        <p:spPr>
+          <a:xfrm>
+            <a:off x="1153183" y="1959429"/>
+            <a:ext cx="7881959" cy="2939143"/>
           </a:xfrm>
           <a:prstGeom prst="rect">
             <a:avLst/>
           </a:prstGeom>
-          <a:noFill/>
-        </p:spPr>
-        <p:txBody>
-          <a:bodyPr wrap="none" lIns="91440" tIns="45720" rIns="91440" bIns="45720">
-            <a:spAutoFit/>
-          </a:bodyPr>
-          <a:lstStyle/>
-          <a:p>
-            <a:pPr algn="ctr"/>
-            <a:r>
-              <a:rPr lang="fr-FR" sz="2400" b="0" cap="none" spc="0" dirty="0" smtClean="0">
-                <a:ln w="0"/>
-                <a:solidFill>
-                  <a:schemeClr val="tx1"/>
-                </a:solidFill>
-                <a:effectLst>
-                  <a:outerShdw blurRad="38100" dist="19050" dir="2700000" algn="tl" rotWithShape="0">
-                    <a:schemeClr val="dk1">
-                      <a:alpha val="40000"/>
-                    </a:schemeClr>
-                  </a:outerShdw>
-                </a:effectLst>
-              </a:rPr>
-              <a:t>Les filtres appliqués à un tableau permettent de visionner </a:t>
-            </a:r>
-          </a:p>
-          <a:p>
-            <a:pPr algn="ctr"/>
-            <a:r>
-              <a:rPr lang="fr-FR" sz="2400" b="0" cap="none" spc="0" dirty="0" smtClean="0">
-                <a:ln w="0"/>
-                <a:solidFill>
-                  <a:schemeClr val="tx1"/>
-                </a:solidFill>
-                <a:effectLst>
-                  <a:outerShdw blurRad="38100" dist="19050" dir="2700000" algn="tl" rotWithShape="0">
-                    <a:schemeClr val="dk1">
-                      <a:alpha val="40000"/>
-                    </a:schemeClr>
-                  </a:outerShdw>
-                </a:effectLst>
-              </a:rPr>
-              <a:t>certains éléments de cette liste en fonction d’autres</a:t>
-            </a:r>
-            <a:endParaRPr lang="fr-FR" sz="2400" b="0" cap="none" spc="0" dirty="0">
-              <a:ln w="0"/>
-              <a:solidFill>
-                <a:schemeClr val="tx1"/>
-              </a:solidFill>
-              <a:effectLst>
-                <a:outerShdw blurRad="38100" dist="19050" dir="2700000" algn="tl" rotWithShape="0">
-                  <a:schemeClr val="dk1">
-                    <a:alpha val="40000"/>
-                  </a:schemeClr>
-                </a:outerShdw>
-              </a:effectLst>
-            </a:endParaRPr>
-          </a:p>
-        </p:txBody>
-      </p:sp>
-      <p:sp>
-        <p:nvSpPr>
-          <p:cNvPr id="9" name="Rectangle 8"/>
-          <p:cNvSpPr/>
-          <p:nvPr/>
-        </p:nvSpPr>
-        <p:spPr>
-          <a:xfrm>
-            <a:off x="396252" y="3217298"/>
-            <a:ext cx="10606045" cy="830997"/>
-          </a:xfrm>
-          <a:prstGeom prst="rect">
-            <a:avLst/>
-          </a:prstGeom>
-          <a:noFill/>
-        </p:spPr>
-        <p:txBody>
-          <a:bodyPr wrap="none" lIns="91440" tIns="45720" rIns="91440" bIns="45720">
-            <a:spAutoFit/>
-          </a:bodyPr>
-          <a:lstStyle/>
-          <a:p>
-            <a:pPr algn="ctr"/>
-            <a:r>
-              <a:rPr lang="fr-FR" sz="2400" b="0" cap="none" spc="0" dirty="0" smtClean="0">
-                <a:ln w="0"/>
-                <a:solidFill>
-                  <a:schemeClr val="tx1"/>
-                </a:solidFill>
-                <a:effectLst>
-                  <a:outerShdw blurRad="38100" dist="19050" dir="2700000" algn="tl" rotWithShape="0">
-                    <a:schemeClr val="dk1">
-                      <a:alpha val="40000"/>
-                    </a:schemeClr>
-                  </a:outerShdw>
-                </a:effectLst>
-              </a:rPr>
-              <a:t>Sélectionner toutes les cellules qui composent ce fameux tableau puis dans</a:t>
-            </a:r>
-          </a:p>
-          <a:p>
-            <a:pPr algn="ctr"/>
-            <a:r>
-              <a:rPr lang="fr-FR" sz="2400" b="0" cap="none" spc="0" dirty="0" smtClean="0">
-                <a:ln w="0"/>
-                <a:solidFill>
-                  <a:schemeClr val="tx1"/>
-                </a:solidFill>
-                <a:effectLst>
-                  <a:outerShdw blurRad="38100" dist="19050" dir="2700000" algn="tl" rotWithShape="0">
-                    <a:schemeClr val="dk1">
-                      <a:alpha val="40000"/>
-                    </a:schemeClr>
-                  </a:outerShdw>
-                </a:effectLst>
-              </a:rPr>
-              <a:t> l’onglet « Insertion » et dans le cadre « Tableaux », cliquez sur le bouton « Tableau »</a:t>
-            </a:r>
-            <a:endParaRPr lang="fr-FR" sz="2400" b="0" cap="none" spc="0" dirty="0">
-              <a:ln w="0"/>
-              <a:solidFill>
-                <a:schemeClr val="tx1"/>
-              </a:solidFill>
-              <a:effectLst>
-                <a:outerShdw blurRad="38100" dist="19050" dir="2700000" algn="tl" rotWithShape="0">
-                  <a:schemeClr val="dk1">
-                    <a:alpha val="40000"/>
-                  </a:schemeClr>
-                </a:outerShdw>
-              </a:effectLst>
-            </a:endParaRPr>
-          </a:p>
-        </p:txBody>
-      </p:sp>
+        </p:spPr>
+      </p:pic>
     </p:spTree>
     <p:extLst>
       <p:ext uri="{BB962C8B-B14F-4D97-AF65-F5344CB8AC3E}">
-        <p14:creationId xmlns:p14="http://schemas.microsoft.com/office/powerpoint/2010/main" val="2073210021"/>
+        <p14:creationId xmlns:p14="http://schemas.microsoft.com/office/powerpoint/2010/main" val="2050530816"/>
       </p:ext>
     </p:extLst>
   </p:cSld>
@@ -8791,7 +7179,7 @@
                   <a:schemeClr val="bg1"/>
                 </a:solidFill>
               </a:rPr>
-              <a:t>Créer un tableau</a:t>
+              <a:t>Mise en forme conditionnelle</a:t>
             </a:r>
             <a:endParaRPr lang="fr-FR" sz="4000" dirty="0">
               <a:solidFill>
@@ -8945,9 +7333,102 @@
           </a:p>
         </p:txBody>
       </p:sp>
+      <p:sp>
+        <p:nvSpPr>
+          <p:cNvPr id="7" name="Rectangle 6"/>
+          <p:cNvSpPr/>
+          <p:nvPr/>
+        </p:nvSpPr>
+        <p:spPr>
+          <a:xfrm>
+            <a:off x="1117066" y="1514833"/>
+            <a:ext cx="8181663" cy="1200329"/>
+          </a:xfrm>
+          <a:prstGeom prst="rect">
+            <a:avLst/>
+          </a:prstGeom>
+          <a:noFill/>
+        </p:spPr>
+        <p:txBody>
+          <a:bodyPr wrap="none" lIns="91440" tIns="45720" rIns="91440" bIns="45720">
+            <a:spAutoFit/>
+          </a:bodyPr>
+          <a:lstStyle/>
+          <a:p>
+            <a:pPr algn="ctr"/>
+            <a:r>
+              <a:rPr lang="fr-FR" sz="2400" b="0" cap="none" spc="0" dirty="0" smtClean="0">
+                <a:ln w="0"/>
+                <a:solidFill>
+                  <a:schemeClr val="tx1"/>
+                </a:solidFill>
+                <a:effectLst>
+                  <a:outerShdw blurRad="38100" dist="19050" dir="2700000" algn="tl" rotWithShape="0">
+                    <a:schemeClr val="dk1">
+                      <a:alpha val="40000"/>
+                    </a:schemeClr>
+                  </a:outerShdw>
+                </a:effectLst>
+              </a:rPr>
+              <a:t>En appliquant une mise en forme conditionnelle à vos données, </a:t>
+            </a:r>
+          </a:p>
+          <a:p>
+            <a:pPr algn="ctr"/>
+            <a:r>
+              <a:rPr lang="fr-FR" sz="2400" b="0" cap="none" spc="0" dirty="0" smtClean="0">
+                <a:ln w="0"/>
+                <a:solidFill>
+                  <a:schemeClr val="tx1"/>
+                </a:solidFill>
+                <a:effectLst>
+                  <a:outerShdw blurRad="38100" dist="19050" dir="2700000" algn="tl" rotWithShape="0">
+                    <a:schemeClr val="dk1">
+                      <a:alpha val="40000"/>
+                    </a:schemeClr>
+                  </a:outerShdw>
+                </a:effectLst>
+              </a:rPr>
+              <a:t>vous pouvez d’un simple coup</a:t>
+            </a:r>
+          </a:p>
+          <a:p>
+            <a:pPr algn="ctr"/>
+            <a:r>
+              <a:rPr lang="fr-FR" sz="2400" b="0" cap="none" spc="0" dirty="0" smtClean="0">
+                <a:ln w="0"/>
+                <a:solidFill>
+                  <a:schemeClr val="tx1"/>
+                </a:solidFill>
+                <a:effectLst>
+                  <a:outerShdw blurRad="38100" dist="19050" dir="2700000" algn="tl" rotWithShape="0">
+                    <a:schemeClr val="dk1">
+                      <a:alpha val="40000"/>
+                    </a:schemeClr>
+                  </a:outerShdw>
+                </a:effectLst>
+              </a:rPr>
+              <a:t> d’œil identifier rapidement les écarts dans une plage de valeur.</a:t>
+            </a:r>
+            <a:endParaRPr lang="fr-FR" sz="2400" b="0" cap="none" spc="0" dirty="0">
+              <a:ln w="0"/>
+              <a:solidFill>
+                <a:schemeClr val="tx1"/>
+              </a:solidFill>
+              <a:effectLst>
+                <a:outerShdw blurRad="38100" dist="19050" dir="2700000" algn="tl" rotWithShape="0">
+                  <a:schemeClr val="dk1">
+                    <a:alpha val="40000"/>
+                  </a:schemeClr>
+                </a:outerShdw>
+              </a:effectLst>
+            </a:endParaRPr>
+          </a:p>
+        </p:txBody>
+      </p:sp>
       <p:pic>
         <p:nvPicPr>
-          <p:cNvPr id="5" name="Image 4"/>
+          <p:cNvPr id="2" name="Image 1"/>
           <p:cNvPicPr>
             <a:picLocks noChangeAspect="1"/>
           </p:cNvPicPr>
@@ -8961,8 +7442,8 @@
         </p:blipFill>
         <p:spPr>
           <a:xfrm>
-            <a:off x="1153183" y="1959429"/>
-            <a:ext cx="7881959" cy="2939143"/>
+            <a:off x="3004457" y="3227104"/>
+            <a:ext cx="6988629" cy="3158710"/>
           </a:xfrm>
           <a:prstGeom prst="rect">
             <a:avLst/>
@@ -8972,7 +7453,7 @@
     </p:spTree>
     <p:extLst>
       <p:ext uri="{BB962C8B-B14F-4D97-AF65-F5344CB8AC3E}">
-        <p14:creationId xmlns:p14="http://schemas.microsoft.com/office/powerpoint/2010/main" val="2050530816"/>
+        <p14:creationId xmlns:p14="http://schemas.microsoft.com/office/powerpoint/2010/main" val="1375698606"/>
       </p:ext>
     </p:extLst>
   </p:cSld>
@@ -9222,8 +7703,8 @@
         </p:nvSpPr>
         <p:spPr>
           <a:xfrm>
-            <a:off x="1117066" y="1514833"/>
-            <a:ext cx="8181663" cy="1200329"/>
+            <a:off x="1722732" y="1514833"/>
+            <a:ext cx="6970370" cy="830997"/>
           </a:xfrm>
           <a:prstGeom prst="rect">
             <a:avLst/>
@@ -9236,7 +7717,10 @@
           </a:bodyPr>
           <a:lstStyle/>
           <a:p>
-            <a:pPr algn="ctr"/>
+            <a:pPr marL="342900" indent="-342900" algn="ctr">
+              <a:buFont typeface="Wingdings" panose="05000000000000000000" pitchFamily="2" charset="2"/>
+              <a:buChar char="Ø"/>
+            </a:pPr>
             <a:r>
               <a:rPr lang="fr-FR" sz="2400" b="0" cap="none" spc="0" dirty="0" smtClean="0">
                 <a:ln w="0"/>
@@ -9251,7 +7735,7 @@
                   </a:outerShdw>
                 </a:effectLst>
               </a:rPr>
-              <a:t>En appliquant une mise en forme conditionnelle à vos données, </a:t>
+              <a:t>Sélectionner les données auxquelles vous souhaitez</a:t>
             </a:r>
           </a:p>
           <a:p>
@@ -9270,26 +7754,7 @@
                   </a:outerShdw>
                 </a:effectLst>
               </a:rPr>
-              <a:t>vous pouvez d’un simple coup</a:t>
-            </a:r>
-          </a:p>
-          <a:p>
-            <a:pPr algn="ctr"/>
-            <a:r>
-              <a:rPr lang="fr-FR" sz="2400" b="0" cap="none" spc="0" dirty="0" smtClean="0">
-                <a:ln w="0"/>
-                <a:solidFill>
-                  <a:schemeClr val="tx1"/>
-                </a:solidFill>
-                <a:effectLst>
-                  <a:outerShdw blurRad="38100" dist="19050" dir="2700000" algn="tl" rotWithShape="0">
-                    <a:schemeClr val="dk1">
-                      <a:alpha val="40000"/>
-                    </a:schemeClr>
-                  </a:outerShdw>
-                </a:effectLst>
-              </a:rPr>
-              <a:t> d’œil identifier rapidement les écarts dans une plage de valeur.</a:t>
+              <a:t> appliquer une mise en forme conditionnelle</a:t>
             </a:r>
             <a:endParaRPr lang="fr-FR" sz="2400" b="0" cap="none" spc="0" dirty="0">
               <a:ln w="0"/>
@@ -9307,34 +7772,81 @@
           </a:p>
         </p:txBody>
       </p:sp>
-      <p:pic>
-        <p:nvPicPr>
-          <p:cNvPr id="2" name="Image 1"/>
-          <p:cNvPicPr>
-            <a:picLocks noChangeAspect="1"/>
-          </p:cNvPicPr>
+      <p:sp>
+        <p:nvSpPr>
+          <p:cNvPr id="8" name="Rectangle 7"/>
+          <p:cNvSpPr/>
           <p:nvPr/>
-        </p:nvPicPr>
-        <p:blipFill>
-          <a:blip r:embed="rId2"/>
-          <a:stretch>
-            <a:fillRect/>
-          </a:stretch>
-        </p:blipFill>
-        <p:spPr>
-          <a:xfrm>
-            <a:off x="3004457" y="3227104"/>
-            <a:ext cx="6988629" cy="3158710"/>
+        </p:nvSpPr>
+        <p:spPr>
+          <a:xfrm>
+            <a:off x="452666" y="2857772"/>
+            <a:ext cx="9510552" cy="830997"/>
           </a:xfrm>
           <a:prstGeom prst="rect">
             <a:avLst/>
           </a:prstGeom>
-        </p:spPr>
-      </p:pic>
+          <a:noFill/>
+        </p:spPr>
+        <p:txBody>
+          <a:bodyPr wrap="none" lIns="91440" tIns="45720" rIns="91440" bIns="45720">
+            <a:spAutoFit/>
+          </a:bodyPr>
+          <a:lstStyle/>
+          <a:p>
+            <a:pPr marL="342900" indent="-342900" algn="ctr">
+              <a:buFont typeface="Wingdings" panose="05000000000000000000" pitchFamily="2" charset="2"/>
+              <a:buChar char="Ø"/>
+            </a:pPr>
+            <a:r>
+              <a:rPr lang="fr-FR" sz="2400" dirty="0" smtClean="0">
+                <a:ln w="0"/>
+                <a:effectLst>
+                  <a:outerShdw blurRad="38100" dist="19050" dir="2700000" algn="tl" rotWithShape="0">
+                    <a:schemeClr val="dk1">
+                      <a:alpha val="40000"/>
+                    </a:schemeClr>
+                  </a:outerShdw>
+                </a:effectLst>
+              </a:rPr>
+              <a:t>Sous l’onglet Accueil, dans le groupe Style, cliquez sur la flèche </a:t>
+            </a:r>
+          </a:p>
+          <a:p>
+            <a:pPr algn="ctr"/>
+            <a:r>
+              <a:rPr lang="fr-FR" sz="2400" dirty="0" smtClean="0">
+                <a:ln w="0"/>
+                <a:effectLst>
+                  <a:outerShdw blurRad="38100" dist="19050" dir="2700000" algn="tl" rotWithShape="0">
+                    <a:schemeClr val="dk1">
+                      <a:alpha val="40000"/>
+                    </a:schemeClr>
+                  </a:outerShdw>
+                </a:effectLst>
+              </a:rPr>
+              <a:t>en regard de Mise en forme conditionnelle, puis sur Nuance de couleurs</a:t>
+            </a:r>
+            <a:endParaRPr lang="fr-FR" sz="2400" b="0" cap="none" spc="0" dirty="0">
+              <a:ln w="0"/>
+              <a:solidFill>
+                <a:schemeClr val="tx1"/>
+              </a:solidFill>
+              <a:effectLst>
+                <a:outerShdw blurRad="38100" dist="19050" dir="2700000" algn="tl" rotWithShape="0">
+                  <a:schemeClr val="dk1">
+                    <a:alpha val="40000"/>
+                  </a:schemeClr>
+                </a:outerShdw>
+              </a:effectLst>
+            </a:endParaRPr>
+          </a:p>
+        </p:txBody>
+      </p:sp>
     </p:spTree>
     <p:extLst>
       <p:ext uri="{BB962C8B-B14F-4D97-AF65-F5344CB8AC3E}">
-        <p14:creationId xmlns:p14="http://schemas.microsoft.com/office/powerpoint/2010/main" val="1375698606"/>
+        <p14:creationId xmlns:p14="http://schemas.microsoft.com/office/powerpoint/2010/main" val="2583261221"/>
       </p:ext>
     </p:extLst>
   </p:cSld>
@@ -9422,7 +7934,7 @@
                   <a:schemeClr val="bg1"/>
                 </a:solidFill>
               </a:rPr>
-              <a:t>Mise en forme conditionnelle</a:t>
+              <a:t>Figer des lignes ou des colonnes</a:t>
             </a:r>
             <a:endParaRPr lang="fr-FR" sz="4000" dirty="0">
               <a:solidFill>
@@ -9584,8 +8096,8 @@
         </p:nvSpPr>
         <p:spPr>
           <a:xfrm>
-            <a:off x="1722732" y="1514833"/>
-            <a:ext cx="6970370" cy="830997"/>
+            <a:off x="1863748" y="1514833"/>
+            <a:ext cx="6688370" cy="461665"/>
           </a:xfrm>
           <a:prstGeom prst="rect">
             <a:avLst/>
@@ -9598,10 +8110,7 @@
           </a:bodyPr>
           <a:lstStyle/>
           <a:p>
-            <a:pPr marL="342900" indent="-342900" algn="ctr">
-              <a:buFont typeface="Wingdings" panose="05000000000000000000" pitchFamily="2" charset="2"/>
-              <a:buChar char="Ø"/>
-            </a:pPr>
+            <a:pPr algn="ctr"/>
             <a:r>
               <a:rPr lang="fr-FR" sz="2400" b="0" cap="none" spc="0" dirty="0" smtClean="0">
                 <a:ln w="0"/>
@@ -9616,7 +8125,62 @@
                   </a:outerShdw>
                 </a:effectLst>
               </a:rPr>
-              <a:t>Sélectionner les données auxquelles vous souhaitez</a:t>
+              <a:t>Pourquoi fixer des lignes et/ou colonnes dans Excel?</a:t>
+            </a:r>
+            <a:endParaRPr lang="fr-FR" sz="2400" b="0" cap="none" spc="0" dirty="0">
+              <a:ln w="0"/>
+              <a:solidFill>
+                <a:schemeClr val="tx1"/>
+              </a:solidFill>
+              <a:effectLst>
+                <a:outerShdw blurRad="38100" dist="19050" dir="2700000" algn="tl" rotWithShape="0">
+                  <a:schemeClr val="dk1">
+                    <a:alpha val="40000"/>
+                  </a:schemeClr>
+                </a:outerShdw>
+              </a:effectLst>
+            </a:endParaRPr>
+          </a:p>
+        </p:txBody>
+      </p:sp>
+      <p:sp>
+        <p:nvSpPr>
+          <p:cNvPr id="8" name="Rectangle 7"/>
+          <p:cNvSpPr/>
+          <p:nvPr/>
+        </p:nvSpPr>
+        <p:spPr>
+          <a:xfrm>
+            <a:off x="-359393" y="2857772"/>
+            <a:ext cx="11134715" cy="1200329"/>
+          </a:xfrm>
+          <a:prstGeom prst="rect">
+            <a:avLst/>
+          </a:prstGeom>
+          <a:noFill/>
+        </p:spPr>
+        <p:txBody>
+          <a:bodyPr wrap="none" lIns="91440" tIns="45720" rIns="91440" bIns="45720">
+            <a:spAutoFit/>
+          </a:bodyPr>
+          <a:lstStyle/>
+          <a:p>
+            <a:pPr marL="342900" indent="-342900" algn="ctr">
+              <a:buFont typeface="Wingdings" panose="05000000000000000000" pitchFamily="2" charset="2"/>
+              <a:buChar char="Ø"/>
+            </a:pPr>
+            <a:r>
+              <a:rPr lang="fr-FR" sz="2400" dirty="0" smtClean="0">
+                <a:ln w="0"/>
+                <a:effectLst>
+                  <a:outerShdw blurRad="38100" dist="19050" dir="2700000" algn="tl" rotWithShape="0">
+                    <a:schemeClr val="dk1">
+                      <a:alpha val="40000"/>
+                    </a:schemeClr>
+                  </a:outerShdw>
+                </a:effectLst>
+              </a:rPr>
+              <a:t>Tout  simplement parce que dans le cas d’un tableau composé de beaucoup de lignes</a:t>
             </a:r>
           </a:p>
           <a:p>
@@ -9635,7 +8199,58 @@
                   </a:outerShdw>
                 </a:effectLst>
               </a:rPr>
-              <a:t> appliquer une mise en forme conditionnelle</a:t>
+              <a:t>Et/ou colonnes, le défilement par barres de défilement </a:t>
+            </a:r>
+          </a:p>
+          <a:p>
+            <a:pPr algn="ctr"/>
+            <a:r>
+              <a:rPr lang="fr-FR" sz="2400" b="0" cap="none" spc="0" dirty="0" smtClean="0">
+                <a:ln w="0"/>
+                <a:solidFill>
+                  <a:schemeClr val="tx1"/>
+                </a:solidFill>
+                <a:effectLst>
+                  <a:outerShdw blurRad="38100" dist="19050" dir="2700000" algn="tl" rotWithShape="0">
+                    <a:schemeClr val="dk1">
+                      <a:alpha val="40000"/>
+                    </a:schemeClr>
+                  </a:outerShdw>
+                </a:effectLst>
+              </a:rPr>
+              <a:t>s’impose pour </a:t>
+            </a:r>
+            <a:r>
+              <a:rPr lang="fr-FR" sz="2400" b="0" cap="none" spc="0" dirty="0" err="1" smtClean="0">
+                <a:ln w="0"/>
+                <a:solidFill>
+                  <a:schemeClr val="tx1"/>
+                </a:solidFill>
+                <a:effectLst>
+                  <a:outerShdw blurRad="38100" dist="19050" dir="2700000" algn="tl" rotWithShape="0">
+                    <a:schemeClr val="dk1">
+                      <a:alpha val="40000"/>
+                    </a:schemeClr>
+                  </a:outerShdw>
+                </a:effectLst>
+              </a:rPr>
+              <a:t>povoir</a:t>
+            </a:r>
+            <a:r>
+              <a:rPr lang="fr-FR" sz="2400" b="0" cap="none" spc="0" dirty="0" smtClean="0">
+                <a:ln w="0"/>
+                <a:solidFill>
+                  <a:schemeClr val="tx1"/>
+                </a:solidFill>
+                <a:effectLst>
+                  <a:outerShdw blurRad="38100" dist="19050" dir="2700000" algn="tl" rotWithShape="0">
+                    <a:schemeClr val="dk1">
+                      <a:alpha val="40000"/>
+                    </a:schemeClr>
+                  </a:outerShdw>
+                </a:effectLst>
+              </a:rPr>
+              <a:t> visionner la totalité des données.</a:t>
             </a:r>
             <a:endParaRPr lang="fr-FR" sz="2400" b="0" cap="none" spc="0" dirty="0">
               <a:ln w="0"/>
@@ -9653,81 +8268,10 @@
           </a:p>
         </p:txBody>
       </p:sp>
-      <p:sp>
-        <p:nvSpPr>
-          <p:cNvPr id="8" name="Rectangle 7"/>
-          <p:cNvSpPr/>
-          <p:nvPr/>
-        </p:nvSpPr>
-        <p:spPr>
-          <a:xfrm>
-            <a:off x="452666" y="2857772"/>
-            <a:ext cx="9510552" cy="830997"/>
-          </a:xfrm>
-          <a:prstGeom prst="rect">
-            <a:avLst/>
-          </a:prstGeom>
-          <a:noFill/>
-        </p:spPr>
-        <p:txBody>
-          <a:bodyPr wrap="none" lIns="91440" tIns="45720" rIns="91440" bIns="45720">
-            <a:spAutoFit/>
-          </a:bodyPr>
-          <a:lstStyle/>
-          <a:p>
-            <a:pPr marL="342900" indent="-342900" algn="ctr">
-              <a:buFont typeface="Wingdings" panose="05000000000000000000" pitchFamily="2" charset="2"/>
-              <a:buChar char="Ø"/>
-            </a:pPr>
-            <a:r>
-              <a:rPr lang="fr-FR" sz="2400" dirty="0" smtClean="0">
-                <a:ln w="0"/>
-                <a:effectLst>
-                  <a:outerShdw blurRad="38100" dist="19050" dir="2700000" algn="tl" rotWithShape="0">
-                    <a:schemeClr val="dk1">
-                      <a:alpha val="40000"/>
-                    </a:schemeClr>
-                  </a:outerShdw>
-                </a:effectLst>
-              </a:rPr>
-              <a:t>Sous l’onglet Accueil, dans le groupe Style, cliquez sur la flèche </a:t>
-            </a:r>
-          </a:p>
-          <a:p>
-            <a:pPr algn="ctr"/>
-            <a:r>
-              <a:rPr lang="fr-FR" sz="2400" dirty="0" smtClean="0">
-                <a:ln w="0"/>
-                <a:effectLst>
-                  <a:outerShdw blurRad="38100" dist="19050" dir="2700000" algn="tl" rotWithShape="0">
-                    <a:schemeClr val="dk1">
-                      <a:alpha val="40000"/>
-                    </a:schemeClr>
-                  </a:outerShdw>
-                </a:effectLst>
-              </a:rPr>
-              <a:t>en regard de Mise en forme conditionnelle, puis sur Nuance de couleurs</a:t>
-            </a:r>
-            <a:endParaRPr lang="fr-FR" sz="2400" b="0" cap="none" spc="0" dirty="0">
-              <a:ln w="0"/>
-              <a:solidFill>
-                <a:schemeClr val="tx1"/>
-              </a:solidFill>
-              <a:effectLst>
-                <a:outerShdw blurRad="38100" dist="19050" dir="2700000" algn="tl" rotWithShape="0">
-                  <a:schemeClr val="dk1">
-                    <a:alpha val="40000"/>
-                  </a:schemeClr>
-                </a:outerShdw>
-              </a:effectLst>
-            </a:endParaRPr>
-          </a:p>
-        </p:txBody>
-      </p:sp>
     </p:spTree>
     <p:extLst>
       <p:ext uri="{BB962C8B-B14F-4D97-AF65-F5344CB8AC3E}">
-        <p14:creationId xmlns:p14="http://schemas.microsoft.com/office/powerpoint/2010/main" val="2583261221"/>
+        <p14:creationId xmlns:p14="http://schemas.microsoft.com/office/powerpoint/2010/main" val="2680318189"/>
       </p:ext>
     </p:extLst>
   </p:cSld>
@@ -9977,8 +8521,8 @@
         </p:nvSpPr>
         <p:spPr>
           <a:xfrm>
-            <a:off x="1863748" y="1514833"/>
-            <a:ext cx="6688370" cy="461665"/>
+            <a:off x="3448420" y="1514833"/>
+            <a:ext cx="3519040" cy="461665"/>
           </a:xfrm>
           <a:prstGeom prst="rect">
             <a:avLst/>
@@ -10006,7 +8550,7 @@
                   </a:outerShdw>
                 </a:effectLst>
               </a:rPr>
-              <a:t>Pourquoi fixer des lignes et/ou colonnes dans Excel?</a:t>
+              <a:t>Figer une ligne dans Excel?</a:t>
             </a:r>
             <a:endParaRPr lang="fr-FR" sz="2400" b="0" cap="none" spc="0" dirty="0">
               <a:ln w="0"/>
@@ -10032,8 +8576,8 @@
         </p:nvSpPr>
         <p:spPr>
           <a:xfrm>
-            <a:off x="-359393" y="2857772"/>
-            <a:ext cx="11134715" cy="1200329"/>
+            <a:off x="399143" y="2857772"/>
+            <a:ext cx="9617697" cy="1200329"/>
           </a:xfrm>
           <a:prstGeom prst="rect">
             <a:avLst/>
@@ -10061,17 +8605,11 @@
                   </a:outerShdw>
                 </a:effectLst>
               </a:rPr>
-              <a:t>Tout  simplement parce que dans le cas d’un tableau composé de beaucoup de lignes</a:t>
-            </a:r>
-          </a:p>
-          <a:p>
-            <a:pPr algn="ctr"/>
-            <a:r>
-              <a:rPr lang="fr-FR" sz="2400" b="0" cap="none" spc="0" dirty="0" smtClean="0">
+              <a:t>Sélectionnez la ligne au-dessous puis onglet « Affichage » du </a:t>
+            </a:r>
+            <a:r>
+              <a:rPr lang="fr-FR" sz="2400" dirty="0" err="1" smtClean="0">
                 <a:ln w="0"/>
-                <a:solidFill>
-                  <a:schemeClr val="tx1"/>
-                </a:solidFill>
                 <a:effectLst>
                   <a:outerShdw blurRad="38100" dist="19050" dir="2700000" algn="tl" rotWithShape="0">
                     <a:schemeClr val="dk1">
@@ -10080,17 +8618,11 @@
                   </a:outerShdw>
                 </a:effectLst>
               </a:rPr>
-              <a:t>Et/ou colonnes, le défilement par barres de défilement </a:t>
-            </a:r>
-          </a:p>
-          <a:p>
-            <a:pPr algn="ctr"/>
-            <a:r>
-              <a:rPr lang="fr-FR" sz="2400" b="0" cap="none" spc="0" dirty="0" smtClean="0">
+              <a:t>ruban,dans</a:t>
+            </a:r>
+            <a:r>
+              <a:rPr lang="fr-FR" sz="2400" dirty="0" smtClean="0">
                 <a:ln w="0"/>
-                <a:solidFill>
-                  <a:schemeClr val="tx1"/>
-                </a:solidFill>
                 <a:effectLst>
                   <a:outerShdw blurRad="38100" dist="19050" dir="2700000" algn="tl" rotWithShape="0">
                     <a:schemeClr val="dk1">
@@ -10099,14 +8631,14 @@
                   </a:outerShdw>
                 </a:effectLst>
               </a:rPr>
-              <a:t>s’impose pour </a:t>
-            </a:r>
-            <a:r>
-              <a:rPr lang="fr-FR" sz="2400" b="0" cap="none" spc="0" dirty="0" err="1" smtClean="0">
+              <a:t> </a:t>
+            </a:r>
+          </a:p>
+          <a:p>
+            <a:pPr algn="ctr"/>
+            <a:r>
+              <a:rPr lang="fr-FR" sz="2400" dirty="0" smtClean="0">
                 <a:ln w="0"/>
-                <a:solidFill>
-                  <a:schemeClr val="tx1"/>
-                </a:solidFill>
                 <a:effectLst>
                   <a:outerShdw blurRad="38100" dist="19050" dir="2700000" algn="tl" rotWithShape="0">
                     <a:schemeClr val="dk1">
@@ -10115,14 +8647,14 @@
                   </a:outerShdw>
                 </a:effectLst>
               </a:rPr>
-              <a:t>povoir</a:t>
-            </a:r>
-            <a:r>
-              <a:rPr lang="fr-FR" sz="2400" b="0" cap="none" spc="0" dirty="0" smtClean="0">
+              <a:t>le groupe de commandes « Fenêtre », cliquez sur Figer les volets, </a:t>
+            </a:r>
+          </a:p>
+          <a:p>
+            <a:pPr algn="ctr"/>
+            <a:r>
+              <a:rPr lang="fr-FR" sz="2400" dirty="0" smtClean="0">
                 <a:ln w="0"/>
-                <a:solidFill>
-                  <a:schemeClr val="tx1"/>
-                </a:solidFill>
                 <a:effectLst>
                   <a:outerShdw blurRad="38100" dist="19050" dir="2700000" algn="tl" rotWithShape="0">
                     <a:schemeClr val="dk1">
@@ -10131,7 +8663,7 @@
                   </a:outerShdw>
                 </a:effectLst>
               </a:rPr>
-              <a:t> visionner la totalité des données.</a:t>
+              <a:t>enfin cliquez sur Figer la ligne supérieur</a:t>
             </a:r>
             <a:endParaRPr lang="fr-FR" sz="2400" b="0" cap="none" spc="0" dirty="0">
               <a:ln w="0"/>
@@ -10152,7 +8684,7 @@
     </p:spTree>
     <p:extLst>
       <p:ext uri="{BB962C8B-B14F-4D97-AF65-F5344CB8AC3E}">
-        <p14:creationId xmlns:p14="http://schemas.microsoft.com/office/powerpoint/2010/main" val="2680318189"/>
+        <p14:creationId xmlns:p14="http://schemas.microsoft.com/office/powerpoint/2010/main" val="246210391"/>
       </p:ext>
     </p:extLst>
   </p:cSld>
@@ -10402,8 +8934,8 @@
         </p:nvSpPr>
         <p:spPr>
           <a:xfrm>
-            <a:off x="3448420" y="1514833"/>
-            <a:ext cx="3519040" cy="461665"/>
+            <a:off x="3249328" y="1514833"/>
+            <a:ext cx="3917226" cy="461665"/>
           </a:xfrm>
           <a:prstGeom prst="rect">
             <a:avLst/>
@@ -10431,7 +8963,7 @@
                   </a:outerShdw>
                 </a:effectLst>
               </a:rPr>
-              <a:t>Figer une ligne dans Excel?</a:t>
+              <a:t>Figer une colonne dans Excel?</a:t>
             </a:r>
             <a:endParaRPr lang="fr-FR" sz="2400" b="0" cap="none" spc="0" dirty="0">
               <a:ln w="0"/>
@@ -10457,8 +8989,8 @@
         </p:nvSpPr>
         <p:spPr>
           <a:xfrm>
-            <a:off x="399143" y="2857772"/>
-            <a:ext cx="9617697" cy="1200329"/>
+            <a:off x="250674" y="2857772"/>
+            <a:ext cx="9914638" cy="1200329"/>
           </a:xfrm>
           <a:prstGeom prst="rect">
             <a:avLst/>
@@ -10486,7 +9018,7 @@
                   </a:outerShdw>
                 </a:effectLst>
               </a:rPr>
-              <a:t>Sélectionnez la ligne au-dessous puis onglet « Affichage » du </a:t>
+              <a:t>Sélectionnez la colonne à sa droite puis onglet « Affichage » du </a:t>
             </a:r>
             <a:r>
               <a:rPr lang="fr-FR" sz="2400" dirty="0" err="1" smtClean="0">
@@ -10544,7 +9076,20 @@
                   </a:outerShdw>
                 </a:effectLst>
               </a:rPr>
-              <a:t>enfin cliquez sur Figer la ligne supérieur</a:t>
+              <a:t>enfin cliquez sur Figer la première </a:t>
+            </a:r>
+            <a:r>
+              <a:rPr lang="fr-FR" sz="2400" dirty="0" err="1" smtClean="0">
+                <a:ln w="0"/>
+                <a:effectLst>
+                  <a:outerShdw blurRad="38100" dist="19050" dir="2700000" algn="tl" rotWithShape="0">
+                    <a:schemeClr val="dk1">
+                      <a:alpha val="40000"/>
+                    </a:schemeClr>
+                  </a:outerShdw>
+                </a:effectLst>
+              </a:rPr>
+              <a:t>colone</a:t>
             </a:r>
             <a:endParaRPr lang="fr-FR" sz="2400" b="0" cap="none" spc="0" dirty="0">
               <a:ln w="0"/>
@@ -10565,7 +9110,7 @@
     </p:spTree>
     <p:extLst>
       <p:ext uri="{BB962C8B-B14F-4D97-AF65-F5344CB8AC3E}">
-        <p14:creationId xmlns:p14="http://schemas.microsoft.com/office/powerpoint/2010/main" val="246210391"/>
+        <p14:creationId xmlns:p14="http://schemas.microsoft.com/office/powerpoint/2010/main" val="2533935102"/>
       </p:ext>
     </p:extLst>
   </p:cSld>
